--- a/presentation2/presentation2.pptx
+++ b/presentation2/presentation2.pptx
@@ -7,18 +7,20 @@
     <p:sldMasterId id="2147483667" r:id="rId3"/>
   </p:sldMasterIdLst>
   <p:notesMasterIdLst>
-    <p:notesMasterId r:id="rId13"/>
+    <p:notesMasterId r:id="rId15"/>
   </p:notesMasterIdLst>
   <p:sldIdLst>
     <p:sldId id="256" r:id="rId4"/>
     <p:sldId id="257" r:id="rId5"/>
-    <p:sldId id="259" r:id="rId6"/>
-    <p:sldId id="258" r:id="rId7"/>
-    <p:sldId id="260" r:id="rId8"/>
-    <p:sldId id="262" r:id="rId9"/>
-    <p:sldId id="263" r:id="rId10"/>
-    <p:sldId id="264" r:id="rId11"/>
-    <p:sldId id="265" r:id="rId12"/>
+    <p:sldId id="266" r:id="rId6"/>
+    <p:sldId id="267" r:id="rId7"/>
+    <p:sldId id="259" r:id="rId8"/>
+    <p:sldId id="258" r:id="rId9"/>
+    <p:sldId id="260" r:id="rId10"/>
+    <p:sldId id="262" r:id="rId11"/>
+    <p:sldId id="263" r:id="rId12"/>
+    <p:sldId id="264" r:id="rId13"/>
+    <p:sldId id="265" r:id="rId14"/>
   </p:sldIdLst>
   <p:sldSz cx="9144000" cy="6858000" type="screen4x3"/>
   <p:notesSz cx="6858000" cy="9144000"/>
@@ -5157,6 +5159,148 @@
 </p:sld>
 </file>
 
+<file path=ppt/slides/slide10.xml><?xml version="1.0" encoding="utf-8"?>
+<p:sld xmlns:a="http://schemas.openxmlformats.org/drawingml/2006/main" xmlns:r="http://schemas.openxmlformats.org/officeDocument/2006/relationships" xmlns:p="http://schemas.openxmlformats.org/presentationml/2006/main">
+  <p:cSld>
+    <p:spTree>
+      <p:nvGrpSpPr>
+        <p:cNvPr id="1" name=""/>
+        <p:cNvGrpSpPr/>
+        <p:nvPr/>
+      </p:nvGrpSpPr>
+      <p:grpSpPr>
+        <a:xfrm>
+          <a:off x="0" y="0"/>
+          <a:ext cx="0" cy="0"/>
+          <a:chOff x="0" y="0"/>
+          <a:chExt cx="0" cy="0"/>
+        </a:xfrm>
+      </p:grpSpPr>
+      <p:sp>
+        <p:nvSpPr>
+          <p:cNvPr id="5" name="Title 4"/>
+          <p:cNvSpPr>
+            <a:spLocks noGrp="1"/>
+          </p:cNvSpPr>
+          <p:nvPr>
+            <p:ph type="title"/>
+          </p:nvPr>
+        </p:nvSpPr>
+        <p:spPr/>
+        <p:txBody>
+          <a:bodyPr/>
+          <a:lstStyle/>
+          <a:p>
+            <a:r>
+              <a:rPr lang="en-GB" dirty="0"/>
+              <a:t>Implementation choices</a:t>
+            </a:r>
+          </a:p>
+        </p:txBody>
+      </p:sp>
+      <p:sp>
+        <p:nvSpPr>
+          <p:cNvPr id="6" name="Content Placeholder 5"/>
+          <p:cNvSpPr>
+            <a:spLocks noGrp="1"/>
+          </p:cNvSpPr>
+          <p:nvPr>
+            <p:ph idx="1"/>
+          </p:nvPr>
+        </p:nvSpPr>
+        <p:spPr/>
+        <p:txBody>
+          <a:bodyPr/>
+          <a:lstStyle/>
+          <a:p>
+            <a:endParaRPr lang="en-GB" dirty="0"/>
+          </a:p>
+        </p:txBody>
+      </p:sp>
+    </p:spTree>
+    <p:extLst>
+      <p:ext uri="{BB962C8B-B14F-4D97-AF65-F5344CB8AC3E}">
+        <p14:creationId xmlns:p14="http://schemas.microsoft.com/office/powerpoint/2010/main" val="4290384528"/>
+      </p:ext>
+    </p:extLst>
+  </p:cSld>
+  <p:clrMapOvr>
+    <a:masterClrMapping/>
+  </p:clrMapOvr>
+</p:sld>
+</file>
+
+<file path=ppt/slides/slide11.xml><?xml version="1.0" encoding="utf-8"?>
+<p:sld xmlns:a="http://schemas.openxmlformats.org/drawingml/2006/main" xmlns:r="http://schemas.openxmlformats.org/officeDocument/2006/relationships" xmlns:p="http://schemas.openxmlformats.org/presentationml/2006/main">
+  <p:cSld>
+    <p:spTree>
+      <p:nvGrpSpPr>
+        <p:cNvPr id="1" name=""/>
+        <p:cNvGrpSpPr/>
+        <p:nvPr/>
+      </p:nvGrpSpPr>
+      <p:grpSpPr>
+        <a:xfrm>
+          <a:off x="0" y="0"/>
+          <a:ext cx="0" cy="0"/>
+          <a:chOff x="0" y="0"/>
+          <a:chExt cx="0" cy="0"/>
+        </a:xfrm>
+      </p:grpSpPr>
+      <p:sp>
+        <p:nvSpPr>
+          <p:cNvPr id="5" name="Title 4"/>
+          <p:cNvSpPr>
+            <a:spLocks noGrp="1"/>
+          </p:cNvSpPr>
+          <p:nvPr>
+            <p:ph type="title"/>
+          </p:nvPr>
+        </p:nvSpPr>
+        <p:spPr/>
+        <p:txBody>
+          <a:bodyPr/>
+          <a:lstStyle/>
+          <a:p>
+            <a:r>
+              <a:rPr lang="en-GB" dirty="0"/>
+              <a:t>SLAs</a:t>
+            </a:r>
+          </a:p>
+        </p:txBody>
+      </p:sp>
+      <p:sp>
+        <p:nvSpPr>
+          <p:cNvPr id="6" name="Content Placeholder 5"/>
+          <p:cNvSpPr>
+            <a:spLocks noGrp="1"/>
+          </p:cNvSpPr>
+          <p:nvPr>
+            <p:ph idx="1"/>
+          </p:nvPr>
+        </p:nvSpPr>
+        <p:spPr/>
+        <p:txBody>
+          <a:bodyPr/>
+          <a:lstStyle/>
+          <a:p>
+            <a:endParaRPr lang="en-GB" dirty="0"/>
+          </a:p>
+        </p:txBody>
+      </p:sp>
+    </p:spTree>
+    <p:extLst>
+      <p:ext uri="{BB962C8B-B14F-4D97-AF65-F5344CB8AC3E}">
+        <p14:creationId xmlns:p14="http://schemas.microsoft.com/office/powerpoint/2010/main" val="3538392832"/>
+      </p:ext>
+    </p:extLst>
+  </p:cSld>
+  <p:clrMapOvr>
+    <a:masterClrMapping/>
+  </p:clrMapOvr>
+</p:sld>
+</file>
+
 <file path=ppt/slides/slide2.xml><?xml version="1.0" encoding="utf-8"?>
 <p:sld xmlns:a="http://schemas.openxmlformats.org/drawingml/2006/main" xmlns:r="http://schemas.openxmlformats.org/officeDocument/2006/relationships" xmlns:p="http://schemas.openxmlformats.org/presentationml/2006/main">
   <p:cSld>
@@ -5215,6 +5359,16 @@
               <a:buFont typeface="Arial" panose="020B0604020202020204" pitchFamily="34" charset="0"/>
               <a:buChar char="•"/>
             </a:pPr>
+            <a:r>
+              <a:rPr lang="en-GB" dirty="0"/>
+              <a:t>Job Migration</a:t>
+            </a:r>
+          </a:p>
+          <a:p>
+            <a:pPr>
+              <a:buFont typeface="Arial" panose="020B0604020202020204" pitchFamily="34" charset="0"/>
+              <a:buChar char="•"/>
+            </a:pPr>
             <a:endParaRPr lang="en-GB" dirty="0"/>
           </a:p>
         </p:txBody>
@@ -5233,6 +5387,413 @@
 </file>
 
 <file path=ppt/slides/slide3.xml><?xml version="1.0" encoding="utf-8"?>
+<p:sld xmlns:a="http://schemas.openxmlformats.org/drawingml/2006/main" xmlns:r="http://schemas.openxmlformats.org/officeDocument/2006/relationships" xmlns:p="http://schemas.openxmlformats.org/presentationml/2006/main">
+  <p:cSld>
+    <p:spTree>
+      <p:nvGrpSpPr>
+        <p:cNvPr id="1" name=""/>
+        <p:cNvGrpSpPr/>
+        <p:nvPr/>
+      </p:nvGrpSpPr>
+      <p:grpSpPr>
+        <a:xfrm>
+          <a:off x="0" y="0"/>
+          <a:ext cx="0" cy="0"/>
+          <a:chOff x="0" y="0"/>
+          <a:chExt cx="0" cy="0"/>
+        </a:xfrm>
+      </p:grpSpPr>
+      <p:sp>
+        <p:nvSpPr>
+          <p:cNvPr id="2" name="Title 1"/>
+          <p:cNvSpPr>
+            <a:spLocks noGrp="1"/>
+          </p:cNvSpPr>
+          <p:nvPr>
+            <p:ph type="title"/>
+          </p:nvPr>
+        </p:nvSpPr>
+        <p:spPr/>
+        <p:txBody>
+          <a:bodyPr/>
+          <a:lstStyle/>
+          <a:p>
+            <a:r>
+              <a:rPr lang="en-GB" dirty="0"/>
+              <a:t>Cascading failures</a:t>
+            </a:r>
+          </a:p>
+        </p:txBody>
+      </p:sp>
+      <p:sp>
+        <p:nvSpPr>
+          <p:cNvPr id="5" name="Content Placeholder 4"/>
+          <p:cNvSpPr>
+            <a:spLocks noGrp="1"/>
+          </p:cNvSpPr>
+          <p:nvPr>
+            <p:ph idx="1"/>
+          </p:nvPr>
+        </p:nvSpPr>
+        <p:spPr/>
+        <p:txBody>
+          <a:bodyPr/>
+          <a:lstStyle/>
+          <a:p>
+            <a:pPr>
+              <a:buFont typeface="Arial" panose="020B0604020202020204" pitchFamily="34" charset="0"/>
+              <a:buChar char="•"/>
+            </a:pPr>
+            <a:r>
+              <a:rPr lang="en-GB" dirty="0"/>
+              <a:t>If the target of the job migration fails, then the next best target is chosen and the task is relayed to it.</a:t>
+            </a:r>
+          </a:p>
+          <a:p>
+            <a:pPr>
+              <a:buFont typeface="Arial" panose="020B0604020202020204" pitchFamily="34" charset="0"/>
+              <a:buChar char="•"/>
+            </a:pPr>
+            <a:endParaRPr lang="en-GB" dirty="0"/>
+          </a:p>
+        </p:txBody>
+      </p:sp>
+      <p:sp>
+        <p:nvSpPr>
+          <p:cNvPr id="6" name="Rectangle 5"/>
+          <p:cNvSpPr/>
+          <p:nvPr/>
+        </p:nvSpPr>
+        <p:spPr>
+          <a:xfrm>
+            <a:off x="1836216" y="4409256"/>
+            <a:ext cx="914400" cy="914400"/>
+          </a:xfrm>
+          <a:prstGeom prst="rect">
+            <a:avLst/>
+          </a:prstGeom>
+        </p:spPr>
+        <p:style>
+          <a:lnRef idx="2">
+            <a:schemeClr val="accent1">
+              <a:shade val="50000"/>
+            </a:schemeClr>
+          </a:lnRef>
+          <a:fillRef idx="1">
+            <a:schemeClr val="accent1"/>
+          </a:fillRef>
+          <a:effectRef idx="0">
+            <a:schemeClr val="accent1"/>
+          </a:effectRef>
+          <a:fontRef idx="minor">
+            <a:schemeClr val="lt1"/>
+          </a:fontRef>
+        </p:style>
+        <p:txBody>
+          <a:bodyPr rtlCol="0" anchor="ctr"/>
+          <a:lstStyle/>
+          <a:p>
+            <a:pPr algn="ctr"/>
+            <a:r>
+              <a:rPr lang="en-GB" dirty="0"/>
+              <a:t>A</a:t>
+            </a:r>
+          </a:p>
+        </p:txBody>
+      </p:sp>
+      <p:sp>
+        <p:nvSpPr>
+          <p:cNvPr id="7" name="Rectangle 6"/>
+          <p:cNvSpPr/>
+          <p:nvPr/>
+        </p:nvSpPr>
+        <p:spPr>
+          <a:xfrm>
+            <a:off x="4114800" y="3723457"/>
+            <a:ext cx="914400" cy="914400"/>
+          </a:xfrm>
+          <a:prstGeom prst="rect">
+            <a:avLst/>
+          </a:prstGeom>
+        </p:spPr>
+        <p:style>
+          <a:lnRef idx="2">
+            <a:schemeClr val="accent1">
+              <a:shade val="50000"/>
+            </a:schemeClr>
+          </a:lnRef>
+          <a:fillRef idx="1">
+            <a:schemeClr val="accent1"/>
+          </a:fillRef>
+          <a:effectRef idx="0">
+            <a:schemeClr val="accent1"/>
+          </a:effectRef>
+          <a:fontRef idx="minor">
+            <a:schemeClr val="lt1"/>
+          </a:fontRef>
+        </p:style>
+        <p:txBody>
+          <a:bodyPr rtlCol="0" anchor="ctr"/>
+          <a:lstStyle/>
+          <a:p>
+            <a:pPr algn="ctr"/>
+            <a:r>
+              <a:rPr lang="en-GB" dirty="0"/>
+              <a:t>B</a:t>
+            </a:r>
+          </a:p>
+        </p:txBody>
+      </p:sp>
+      <p:sp>
+        <p:nvSpPr>
+          <p:cNvPr id="8" name="Rectangle 7"/>
+          <p:cNvSpPr/>
+          <p:nvPr/>
+        </p:nvSpPr>
+        <p:spPr>
+          <a:xfrm>
+            <a:off x="6012160" y="4409256"/>
+            <a:ext cx="914400" cy="914400"/>
+          </a:xfrm>
+          <a:prstGeom prst="rect">
+            <a:avLst/>
+          </a:prstGeom>
+        </p:spPr>
+        <p:style>
+          <a:lnRef idx="2">
+            <a:schemeClr val="accent1">
+              <a:shade val="50000"/>
+            </a:schemeClr>
+          </a:lnRef>
+          <a:fillRef idx="1">
+            <a:schemeClr val="accent1"/>
+          </a:fillRef>
+          <a:effectRef idx="0">
+            <a:schemeClr val="accent1"/>
+          </a:effectRef>
+          <a:fontRef idx="minor">
+            <a:schemeClr val="lt1"/>
+          </a:fontRef>
+        </p:style>
+        <p:txBody>
+          <a:bodyPr rtlCol="0" anchor="ctr"/>
+          <a:lstStyle/>
+          <a:p>
+            <a:pPr algn="ctr"/>
+            <a:r>
+              <a:rPr lang="en-GB" dirty="0"/>
+              <a:t>C</a:t>
+            </a:r>
+          </a:p>
+        </p:txBody>
+      </p:sp>
+      <p:cxnSp>
+        <p:nvCxnSpPr>
+          <p:cNvPr id="10" name="Straight Arrow Connector 9"/>
+          <p:cNvCxnSpPr>
+            <a:stCxn id="6" idx="3"/>
+            <a:endCxn id="7" idx="1"/>
+          </p:cNvCxnSpPr>
+          <p:nvPr/>
+        </p:nvCxnSpPr>
+        <p:spPr>
+          <a:xfrm flipV="1">
+            <a:off x="2750616" y="4180657"/>
+            <a:ext cx="1364184" cy="685799"/>
+          </a:xfrm>
+          <a:prstGeom prst="straightConnector1">
+            <a:avLst/>
+          </a:prstGeom>
+          <a:ln>
+            <a:tailEnd type="triangle"/>
+          </a:ln>
+        </p:spPr>
+        <p:style>
+          <a:lnRef idx="1">
+            <a:schemeClr val="accent1"/>
+          </a:lnRef>
+          <a:fillRef idx="0">
+            <a:schemeClr val="accent1"/>
+          </a:fillRef>
+          <a:effectRef idx="0">
+            <a:schemeClr val="accent1"/>
+          </a:effectRef>
+          <a:fontRef idx="minor">
+            <a:schemeClr val="tx1"/>
+          </a:fontRef>
+        </p:style>
+      </p:cxnSp>
+      <p:cxnSp>
+        <p:nvCxnSpPr>
+          <p:cNvPr id="13" name="Straight Arrow Connector 12"/>
+          <p:cNvCxnSpPr>
+            <a:stCxn id="6" idx="3"/>
+            <a:endCxn id="8" idx="1"/>
+          </p:cNvCxnSpPr>
+          <p:nvPr/>
+        </p:nvCxnSpPr>
+        <p:spPr>
+          <a:xfrm>
+            <a:off x="2750616" y="4866456"/>
+            <a:ext cx="3261544" cy="0"/>
+          </a:xfrm>
+          <a:prstGeom prst="straightConnector1">
+            <a:avLst/>
+          </a:prstGeom>
+          <a:ln>
+            <a:tailEnd type="triangle"/>
+          </a:ln>
+        </p:spPr>
+        <p:style>
+          <a:lnRef idx="1">
+            <a:schemeClr val="accent1"/>
+          </a:lnRef>
+          <a:fillRef idx="0">
+            <a:schemeClr val="accent1"/>
+          </a:fillRef>
+          <a:effectRef idx="0">
+            <a:schemeClr val="accent1"/>
+          </a:effectRef>
+          <a:fontRef idx="minor">
+            <a:schemeClr val="tx1"/>
+          </a:fontRef>
+        </p:style>
+      </p:cxnSp>
+    </p:spTree>
+    <p:extLst>
+      <p:ext uri="{BB962C8B-B14F-4D97-AF65-F5344CB8AC3E}">
+        <p14:creationId xmlns:p14="http://schemas.microsoft.com/office/powerpoint/2010/main" val="1122626108"/>
+      </p:ext>
+    </p:extLst>
+  </p:cSld>
+  <p:clrMapOvr>
+    <a:masterClrMapping/>
+  </p:clrMapOvr>
+</p:sld>
+</file>
+
+<file path=ppt/slides/slide4.xml><?xml version="1.0" encoding="utf-8"?>
+<p:sld xmlns:a="http://schemas.openxmlformats.org/drawingml/2006/main" xmlns:r="http://schemas.openxmlformats.org/officeDocument/2006/relationships" xmlns:p="http://schemas.openxmlformats.org/presentationml/2006/main">
+  <p:cSld>
+    <p:spTree>
+      <p:nvGrpSpPr>
+        <p:cNvPr id="1" name=""/>
+        <p:cNvGrpSpPr/>
+        <p:nvPr/>
+      </p:nvGrpSpPr>
+      <p:grpSpPr>
+        <a:xfrm>
+          <a:off x="0" y="0"/>
+          <a:ext cx="0" cy="0"/>
+          <a:chOff x="0" y="0"/>
+          <a:chExt cx="0" cy="0"/>
+        </a:xfrm>
+      </p:grpSpPr>
+      <p:sp>
+        <p:nvSpPr>
+          <p:cNvPr id="5" name="Title 4"/>
+          <p:cNvSpPr>
+            <a:spLocks noGrp="1"/>
+          </p:cNvSpPr>
+          <p:nvPr>
+            <p:ph type="title"/>
+          </p:nvPr>
+        </p:nvSpPr>
+        <p:spPr/>
+        <p:txBody>
+          <a:bodyPr/>
+          <a:lstStyle/>
+          <a:p>
+            <a:r>
+              <a:rPr lang="en-GB" dirty="0"/>
+              <a:t>Minimising Latency</a:t>
+            </a:r>
+          </a:p>
+        </p:txBody>
+      </p:sp>
+      <p:sp>
+        <p:nvSpPr>
+          <p:cNvPr id="6" name="Content Placeholder 5"/>
+          <p:cNvSpPr>
+            <a:spLocks noGrp="1"/>
+          </p:cNvSpPr>
+          <p:nvPr>
+            <p:ph idx="1"/>
+          </p:nvPr>
+        </p:nvSpPr>
+        <p:spPr/>
+        <p:txBody>
+          <a:bodyPr/>
+          <a:lstStyle/>
+          <a:p>
+            <a:pPr>
+              <a:buFont typeface="Arial" panose="020B0604020202020204" pitchFamily="34" charset="0"/>
+              <a:buChar char="•"/>
+            </a:pPr>
+            <a:r>
+              <a:rPr lang="en-GB" dirty="0"/>
+              <a:t>Using the Manhattan distance, the algorithm can calculate the closest edge with respect to the user, then migrate the data over to it if needed.</a:t>
+            </a:r>
+          </a:p>
+        </p:txBody>
+      </p:sp>
+      <p:sp>
+        <p:nvSpPr>
+          <p:cNvPr id="7" name="Rectangle 6"/>
+          <p:cNvSpPr/>
+          <p:nvPr/>
+        </p:nvSpPr>
+        <p:spPr>
+          <a:xfrm>
+            <a:off x="5364088" y="3789040"/>
+            <a:ext cx="2664296" cy="2160240"/>
+          </a:xfrm>
+          <a:prstGeom prst="rect">
+            <a:avLst/>
+          </a:prstGeom>
+        </p:spPr>
+        <p:style>
+          <a:lnRef idx="2">
+            <a:schemeClr val="accent1">
+              <a:shade val="50000"/>
+            </a:schemeClr>
+          </a:lnRef>
+          <a:fillRef idx="1">
+            <a:schemeClr val="accent1"/>
+          </a:fillRef>
+          <a:effectRef idx="0">
+            <a:schemeClr val="accent1"/>
+          </a:effectRef>
+          <a:fontRef idx="minor">
+            <a:schemeClr val="lt1"/>
+          </a:fontRef>
+        </p:style>
+        <p:txBody>
+          <a:bodyPr rtlCol="0" anchor="ctr"/>
+          <a:lstStyle/>
+          <a:p>
+            <a:pPr algn="ctr"/>
+            <a:r>
+              <a:rPr lang="en-GB" dirty="0"/>
+              <a:t>Image of Manhattan distance</a:t>
+            </a:r>
+          </a:p>
+        </p:txBody>
+      </p:sp>
+    </p:spTree>
+    <p:extLst>
+      <p:ext uri="{BB962C8B-B14F-4D97-AF65-F5344CB8AC3E}">
+        <p14:creationId xmlns:p14="http://schemas.microsoft.com/office/powerpoint/2010/main" val="3532971816"/>
+      </p:ext>
+    </p:extLst>
+  </p:cSld>
+  <p:clrMapOvr>
+    <a:masterClrMapping/>
+  </p:clrMapOvr>
+</p:sld>
+</file>
+
+<file path=ppt/slides/slide5.xml><?xml version="1.0" encoding="utf-8"?>
 <p:sld xmlns:a="http://schemas.openxmlformats.org/drawingml/2006/main" xmlns:r="http://schemas.openxmlformats.org/officeDocument/2006/relationships" xmlns:p="http://schemas.openxmlformats.org/presentationml/2006/main">
   <p:cSld>
     <p:spTree>
@@ -5404,7 +5965,7 @@
 </p:sld>
 </file>
 
-<file path=ppt/slides/slide4.xml><?xml version="1.0" encoding="utf-8"?>
+<file path=ppt/slides/slide6.xml><?xml version="1.0" encoding="utf-8"?>
 <p:sld xmlns:a="http://schemas.openxmlformats.org/drawingml/2006/main" xmlns:r="http://schemas.openxmlformats.org/officeDocument/2006/relationships" xmlns:p="http://schemas.openxmlformats.org/presentationml/2006/main">
   <p:cSld>
     <p:spTree>
@@ -5458,7 +6019,32 @@
           <a:bodyPr/>
           <a:lstStyle/>
           <a:p>
-            <a:endParaRPr lang="en-GB" sz="1600" dirty="0"/>
+            <a:pPr>
+              <a:buFont typeface="Arial" panose="020B0604020202020204" pitchFamily="34" charset="0"/>
+              <a:buChar char="•"/>
+            </a:pPr>
+            <a:r>
+              <a:rPr lang="en-GB" sz="2000" dirty="0"/>
+              <a:t>The results will be better as the baseline algorithm relies solely on a responsive mechanism when dealing with failures. With the improved algorithm, the proactive migration of a task before a failure occurs will result in less time wasted waiting for a PM/VM to restart.</a:t>
+            </a:r>
+          </a:p>
+          <a:p>
+            <a:pPr>
+              <a:buFont typeface="Arial" panose="020B0604020202020204" pitchFamily="34" charset="0"/>
+              <a:buChar char="•"/>
+            </a:pPr>
+            <a:r>
+              <a:rPr lang="en-GB" sz="2000" dirty="0"/>
+              <a:t>Also, because the job will in most cases be migrated to an Edge close(</a:t>
+            </a:r>
+            <a:r>
+              <a:rPr lang="en-GB" sz="2000" dirty="0" err="1"/>
+              <a:t>er</a:t>
+            </a:r>
+            <a:r>
+              <a:rPr lang="en-GB" sz="2000" dirty="0"/>
+              <a:t>) to the user, this will minimise latency and energy consumption.</a:t>
+            </a:r>
           </a:p>
         </p:txBody>
       </p:sp>
@@ -5466,148 +6052,6 @@
     <p:extLst>
       <p:ext uri="{BB962C8B-B14F-4D97-AF65-F5344CB8AC3E}">
         <p14:creationId xmlns:p14="http://schemas.microsoft.com/office/powerpoint/2010/main" val="3223579850"/>
-      </p:ext>
-    </p:extLst>
-  </p:cSld>
-  <p:clrMapOvr>
-    <a:masterClrMapping/>
-  </p:clrMapOvr>
-</p:sld>
-</file>
-
-<file path=ppt/slides/slide5.xml><?xml version="1.0" encoding="utf-8"?>
-<p:sld xmlns:a="http://schemas.openxmlformats.org/drawingml/2006/main" xmlns:r="http://schemas.openxmlformats.org/officeDocument/2006/relationships" xmlns:p="http://schemas.openxmlformats.org/presentationml/2006/main">
-  <p:cSld>
-    <p:spTree>
-      <p:nvGrpSpPr>
-        <p:cNvPr id="1" name=""/>
-        <p:cNvGrpSpPr/>
-        <p:nvPr/>
-      </p:nvGrpSpPr>
-      <p:grpSpPr>
-        <a:xfrm>
-          <a:off x="0" y="0"/>
-          <a:ext cx="0" cy="0"/>
-          <a:chOff x="0" y="0"/>
-          <a:chExt cx="0" cy="0"/>
-        </a:xfrm>
-      </p:grpSpPr>
-      <p:sp>
-        <p:nvSpPr>
-          <p:cNvPr id="5" name="Title 4"/>
-          <p:cNvSpPr>
-            <a:spLocks noGrp="1"/>
-          </p:cNvSpPr>
-          <p:nvPr>
-            <p:ph type="title"/>
-          </p:nvPr>
-        </p:nvSpPr>
-        <p:spPr/>
-        <p:txBody>
-          <a:bodyPr/>
-          <a:lstStyle/>
-          <a:p>
-            <a:r>
-              <a:rPr lang="en-GB" dirty="0"/>
-              <a:t>Testing methodology &amp; Sampling time</a:t>
-            </a:r>
-          </a:p>
-        </p:txBody>
-      </p:sp>
-      <p:sp>
-        <p:nvSpPr>
-          <p:cNvPr id="6" name="Content Placeholder 5"/>
-          <p:cNvSpPr>
-            <a:spLocks noGrp="1"/>
-          </p:cNvSpPr>
-          <p:nvPr>
-            <p:ph idx="1"/>
-          </p:nvPr>
-        </p:nvSpPr>
-        <p:spPr/>
-        <p:txBody>
-          <a:bodyPr/>
-          <a:lstStyle/>
-          <a:p>
-            <a:endParaRPr lang="en-GB" dirty="0"/>
-          </a:p>
-        </p:txBody>
-      </p:sp>
-    </p:spTree>
-    <p:extLst>
-      <p:ext uri="{BB962C8B-B14F-4D97-AF65-F5344CB8AC3E}">
-        <p14:creationId xmlns:p14="http://schemas.microsoft.com/office/powerpoint/2010/main" val="2927743300"/>
-      </p:ext>
-    </p:extLst>
-  </p:cSld>
-  <p:clrMapOvr>
-    <a:masterClrMapping/>
-  </p:clrMapOvr>
-</p:sld>
-</file>
-
-<file path=ppt/slides/slide6.xml><?xml version="1.0" encoding="utf-8"?>
-<p:sld xmlns:a="http://schemas.openxmlformats.org/drawingml/2006/main" xmlns:r="http://schemas.openxmlformats.org/officeDocument/2006/relationships" xmlns:p="http://schemas.openxmlformats.org/presentationml/2006/main">
-  <p:cSld>
-    <p:spTree>
-      <p:nvGrpSpPr>
-        <p:cNvPr id="1" name=""/>
-        <p:cNvGrpSpPr/>
-        <p:nvPr/>
-      </p:nvGrpSpPr>
-      <p:grpSpPr>
-        <a:xfrm>
-          <a:off x="0" y="0"/>
-          <a:ext cx="0" cy="0"/>
-          <a:chOff x="0" y="0"/>
-          <a:chExt cx="0" cy="0"/>
-        </a:xfrm>
-      </p:grpSpPr>
-      <p:sp>
-        <p:nvSpPr>
-          <p:cNvPr id="2" name="Title 1"/>
-          <p:cNvSpPr>
-            <a:spLocks noGrp="1"/>
-          </p:cNvSpPr>
-          <p:nvPr>
-            <p:ph type="title"/>
-          </p:nvPr>
-        </p:nvSpPr>
-        <p:spPr/>
-        <p:txBody>
-          <a:bodyPr/>
-          <a:lstStyle/>
-          <a:p>
-            <a:r>
-              <a:rPr lang="en-GB" dirty="0"/>
-              <a:t>Controller</a:t>
-            </a:r>
-          </a:p>
-        </p:txBody>
-      </p:sp>
-      <p:sp>
-        <p:nvSpPr>
-          <p:cNvPr id="3" name="Content Placeholder 2"/>
-          <p:cNvSpPr>
-            <a:spLocks noGrp="1"/>
-          </p:cNvSpPr>
-          <p:nvPr>
-            <p:ph idx="1"/>
-          </p:nvPr>
-        </p:nvSpPr>
-        <p:spPr/>
-        <p:txBody>
-          <a:bodyPr/>
-          <a:lstStyle/>
-          <a:p>
-            <a:endParaRPr lang="en-GB"/>
-          </a:p>
-        </p:txBody>
-      </p:sp>
-    </p:spTree>
-    <p:extLst>
-      <p:ext uri="{BB962C8B-B14F-4D97-AF65-F5344CB8AC3E}">
-        <p14:creationId xmlns:p14="http://schemas.microsoft.com/office/powerpoint/2010/main" val="541850020"/>
       </p:ext>
     </p:extLst>
   </p:cSld>
@@ -5651,7 +6095,7 @@
           <a:p>
             <a:r>
               <a:rPr lang="en-GB" dirty="0"/>
-              <a:t>Infrastructure</a:t>
+              <a:t>Testing methodology &amp; Sampling time</a:t>
             </a:r>
           </a:p>
         </p:txBody>
@@ -5666,19 +6110,91 @@
             <p:ph idx="1"/>
           </p:nvPr>
         </p:nvSpPr>
-        <p:spPr/>
+        <p:spPr>
+          <a:xfrm>
+            <a:off x="857224" y="2571744"/>
+            <a:ext cx="4794896" cy="3554419"/>
+          </a:xfrm>
+        </p:spPr>
         <p:txBody>
           <a:bodyPr/>
           <a:lstStyle/>
           <a:p>
-            <a:endParaRPr lang="en-GB"/>
+            <a:pPr>
+              <a:buFont typeface="Arial" panose="020B0604020202020204" pitchFamily="34" charset="0"/>
+              <a:buChar char="•"/>
+            </a:pPr>
+            <a:r>
+              <a:rPr lang="en-GB" dirty="0"/>
+              <a:t>Testing methodology will be running similar work loads on both the baseline and improved algorithms, comparing the results and using them to possibly further improve our work on it.</a:t>
+            </a:r>
+          </a:p>
+          <a:p>
+            <a:pPr>
+              <a:buFont typeface="Arial" panose="020B0604020202020204" pitchFamily="34" charset="0"/>
+              <a:buChar char="•"/>
+            </a:pPr>
+            <a:endParaRPr lang="en-GB" dirty="0"/>
+          </a:p>
+          <a:p>
+            <a:pPr>
+              <a:buFont typeface="Arial" panose="020B0604020202020204" pitchFamily="34" charset="0"/>
+              <a:buChar char="•"/>
+            </a:pPr>
+            <a:r>
+              <a:rPr lang="en-GB" dirty="0"/>
+              <a:t>Sampling time will be 10min. </a:t>
+            </a:r>
+          </a:p>
+        </p:txBody>
+      </p:sp>
+      <p:sp>
+        <p:nvSpPr>
+          <p:cNvPr id="2" name="Rectangle 1"/>
+          <p:cNvSpPr/>
+          <p:nvPr/>
+        </p:nvSpPr>
+        <p:spPr>
+          <a:xfrm>
+            <a:off x="5652120" y="2571744"/>
+            <a:ext cx="2952328" cy="3554419"/>
+          </a:xfrm>
+          <a:prstGeom prst="rect">
+            <a:avLst/>
+          </a:prstGeom>
+        </p:spPr>
+        <p:style>
+          <a:lnRef idx="2">
+            <a:schemeClr val="accent1">
+              <a:shade val="50000"/>
+            </a:schemeClr>
+          </a:lnRef>
+          <a:fillRef idx="1">
+            <a:schemeClr val="accent1"/>
+          </a:fillRef>
+          <a:effectRef idx="0">
+            <a:schemeClr val="accent1"/>
+          </a:effectRef>
+          <a:fontRef idx="minor">
+            <a:schemeClr val="lt1"/>
+          </a:fontRef>
+        </p:style>
+        <p:txBody>
+          <a:bodyPr rtlCol="0" anchor="ctr"/>
+          <a:lstStyle/>
+          <a:p>
+            <a:pPr algn="ctr"/>
+            <a:r>
+              <a:rPr lang="en-GB" dirty="0"/>
+              <a:t>Example test table</a:t>
+            </a:r>
           </a:p>
         </p:txBody>
       </p:sp>
     </p:spTree>
     <p:extLst>
       <p:ext uri="{BB962C8B-B14F-4D97-AF65-F5344CB8AC3E}">
-        <p14:creationId xmlns:p14="http://schemas.microsoft.com/office/powerpoint/2010/main" val="2816614944"/>
+        <p14:creationId xmlns:p14="http://schemas.microsoft.com/office/powerpoint/2010/main" val="2927743300"/>
       </p:ext>
     </p:extLst>
   </p:cSld>
@@ -5707,7 +6223,7 @@
       </p:grpSpPr>
       <p:sp>
         <p:nvSpPr>
-          <p:cNvPr id="5" name="Title 4"/>
+          <p:cNvPr id="2" name="Title 1"/>
           <p:cNvSpPr>
             <a:spLocks noGrp="1"/>
           </p:cNvSpPr>
@@ -5722,14 +6238,14 @@
           <a:p>
             <a:r>
               <a:rPr lang="en-GB" dirty="0"/>
-              <a:t>Implementation choices</a:t>
+              <a:t>Controller</a:t>
             </a:r>
           </a:p>
         </p:txBody>
       </p:sp>
       <p:sp>
         <p:nvSpPr>
-          <p:cNvPr id="6" name="Content Placeholder 5"/>
+          <p:cNvPr id="3" name="Content Placeholder 2"/>
           <p:cNvSpPr>
             <a:spLocks noGrp="1"/>
           </p:cNvSpPr>
@@ -5742,14 +6258,14 @@
           <a:bodyPr/>
           <a:lstStyle/>
           <a:p>
-            <a:endParaRPr lang="en-GB"/>
+            <a:endParaRPr lang="en-GB" dirty="0"/>
           </a:p>
         </p:txBody>
       </p:sp>
     </p:spTree>
     <p:extLst>
       <p:ext uri="{BB962C8B-B14F-4D97-AF65-F5344CB8AC3E}">
-        <p14:creationId xmlns:p14="http://schemas.microsoft.com/office/powerpoint/2010/main" val="4290384528"/>
+        <p14:creationId xmlns:p14="http://schemas.microsoft.com/office/powerpoint/2010/main" val="541850020"/>
       </p:ext>
     </p:extLst>
   </p:cSld>
@@ -5793,7 +6309,7 @@
           <a:p>
             <a:r>
               <a:rPr lang="en-GB" dirty="0"/>
-              <a:t>SLAs</a:t>
+              <a:t>Infrastructure</a:t>
             </a:r>
           </a:p>
         </p:txBody>
@@ -5813,14 +6329,14 @@
           <a:bodyPr/>
           <a:lstStyle/>
           <a:p>
-            <a:endParaRPr lang="en-GB"/>
+            <a:endParaRPr lang="en-GB" dirty="0"/>
           </a:p>
         </p:txBody>
       </p:sp>
     </p:spTree>
     <p:extLst>
       <p:ext uri="{BB962C8B-B14F-4D97-AF65-F5344CB8AC3E}">
-        <p14:creationId xmlns:p14="http://schemas.microsoft.com/office/powerpoint/2010/main" val="3538392832"/>
+        <p14:creationId xmlns:p14="http://schemas.microsoft.com/office/powerpoint/2010/main" val="2816614944"/>
       </p:ext>
     </p:extLst>
   </p:cSld>

--- a/presentation2/presentation2.pptx
+++ b/presentation2/presentation2.pptx
@@ -5944,7 +5944,7 @@
         </p:blipFill>
         <p:spPr>
           <a:xfrm>
-            <a:off x="4355976" y="2924944"/>
+            <a:off x="4355976" y="2937957"/>
             <a:ext cx="4104456" cy="2808312"/>
           </a:xfrm>
           <a:prstGeom prst="rect">

--- a/presentation2/presentation2.pptx
+++ b/presentation2/presentation2.pptx
@@ -12,9 +12,9 @@
   <p:sldIdLst>
     <p:sldId id="256" r:id="rId4"/>
     <p:sldId id="257" r:id="rId5"/>
-    <p:sldId id="266" r:id="rId6"/>
-    <p:sldId id="267" r:id="rId7"/>
-    <p:sldId id="259" r:id="rId8"/>
+    <p:sldId id="259" r:id="rId6"/>
+    <p:sldId id="266" r:id="rId7"/>
+    <p:sldId id="267" r:id="rId8"/>
     <p:sldId id="258" r:id="rId9"/>
     <p:sldId id="260" r:id="rId10"/>
     <p:sldId id="262" r:id="rId11"/>
@@ -269,7 +269,7 @@
               <a:pPr>
                 <a:defRPr/>
               </a:pPr>
-              <a:t>15.11.2016</a:t>
+              <a:t>15.11.16</a:t>
             </a:fld>
             <a:endParaRPr lang="de-DE"/>
           </a:p>
@@ -1247,7 +1247,7 @@
               <a:pPr>
                 <a:defRPr/>
               </a:pPr>
-              <a:t>15.11.2016</a:t>
+              <a:t>15.11.16</a:t>
             </a:fld>
             <a:endParaRPr lang="de-AT" dirty="0"/>
           </a:p>
@@ -1607,7 +1607,7 @@
               <a:pPr>
                 <a:defRPr/>
               </a:pPr>
-              <a:t>15.11.2016</a:t>
+              <a:t>15.11.16</a:t>
             </a:fld>
             <a:endParaRPr lang="de-DE" dirty="0"/>
           </a:p>
@@ -1864,7 +1864,7 @@
               <a:pPr>
                 <a:defRPr/>
               </a:pPr>
-              <a:t>15.11.2016</a:t>
+              <a:t>15.11.16</a:t>
             </a:fld>
             <a:endParaRPr lang="de-AT" dirty="0"/>
           </a:p>
@@ -2224,7 +2224,7 @@
               <a:pPr>
                 <a:defRPr/>
               </a:pPr>
-              <a:t>15.11.2016</a:t>
+              <a:t>15.11.16</a:t>
             </a:fld>
             <a:endParaRPr lang="de-DE" dirty="0"/>
           </a:p>
@@ -3460,7 +3460,7 @@
               <a:pPr>
                 <a:defRPr/>
               </a:pPr>
-              <a:t>15.11.2016</a:t>
+              <a:t>15.11.16</a:t>
             </a:fld>
             <a:endParaRPr lang="de-DE"/>
           </a:p>
@@ -4319,7 +4319,7 @@
               <a:pPr>
                 <a:defRPr/>
               </a:pPr>
-              <a:t>15.11.2016</a:t>
+              <a:t>15.11.16</a:t>
             </a:fld>
             <a:endParaRPr lang="de-DE"/>
           </a:p>
@@ -5405,6 +5405,178 @@
       </p:grpSpPr>
       <p:sp>
         <p:nvSpPr>
+          <p:cNvPr id="5" name="Title 4"/>
+          <p:cNvSpPr>
+            <a:spLocks noGrp="1"/>
+          </p:cNvSpPr>
+          <p:nvPr>
+            <p:ph type="title"/>
+          </p:nvPr>
+        </p:nvSpPr>
+        <p:spPr/>
+        <p:txBody>
+          <a:bodyPr/>
+          <a:lstStyle/>
+          <a:p>
+            <a:r>
+              <a:rPr lang="en-GB" dirty="0"/>
+              <a:t>Improved algorithm</a:t>
+            </a:r>
+          </a:p>
+        </p:txBody>
+      </p:sp>
+      <p:sp>
+        <p:nvSpPr>
+          <p:cNvPr id="6" name="Content Placeholder 5"/>
+          <p:cNvSpPr>
+            <a:spLocks noGrp="1"/>
+          </p:cNvSpPr>
+          <p:nvPr>
+            <p:ph idx="1"/>
+          </p:nvPr>
+        </p:nvSpPr>
+        <p:spPr>
+          <a:xfrm>
+            <a:off x="857224" y="2564904"/>
+            <a:ext cx="7429552" cy="3554419"/>
+          </a:xfrm>
+        </p:spPr>
+        <p:txBody>
+          <a:bodyPr/>
+          <a:lstStyle/>
+          <a:p>
+            <a:pPr>
+              <a:buFont typeface="Arial" charset="0"/>
+              <a:buChar char="•"/>
+            </a:pPr>
+            <a:r>
+              <a:rPr lang="en-GB" dirty="0" err="1"/>
+              <a:t>Preemptive</a:t>
+            </a:r>
+            <a:r>
+              <a:rPr lang="en-GB" dirty="0"/>
+              <a:t> migration:</a:t>
+            </a:r>
+            <a:br>
+              <a:rPr lang="en-GB" dirty="0"/>
+            </a:br>
+            <a:endParaRPr lang="en-GB" dirty="0"/>
+          </a:p>
+          <a:p>
+            <a:pPr lvl="1">
+              <a:buFont typeface="Arial" charset="0"/>
+              <a:buChar char="•"/>
+            </a:pPr>
+            <a:r>
+              <a:rPr lang="en-GB" dirty="0"/>
+              <a:t>Looks for fault flags in </a:t>
+            </a:r>
+            <a:br>
+              <a:rPr lang="en-GB" dirty="0"/>
+            </a:br>
+            <a:r>
+              <a:rPr lang="en-GB" dirty="0"/>
+              <a:t>the system w/ </a:t>
+            </a:r>
+            <a:br>
+              <a:rPr lang="en-GB" dirty="0"/>
+            </a:br>
+            <a:r>
+              <a:rPr lang="en-GB" dirty="0"/>
+              <a:t>feedback loop</a:t>
+            </a:r>
+            <a:br>
+              <a:rPr lang="en-GB" dirty="0"/>
+            </a:br>
+            <a:endParaRPr lang="en-GB" dirty="0"/>
+          </a:p>
+          <a:p>
+            <a:pPr lvl="1">
+              <a:buFont typeface="Arial" charset="0"/>
+              <a:buChar char="•"/>
+            </a:pPr>
+            <a:r>
+              <a:rPr lang="en-GB" dirty="0"/>
+              <a:t>Moves tasks to new </a:t>
+            </a:r>
+            <a:br>
+              <a:rPr lang="en-GB" dirty="0"/>
+            </a:br>
+            <a:r>
+              <a:rPr lang="en-GB" dirty="0"/>
+              <a:t>location before a </a:t>
+            </a:r>
+            <a:br>
+              <a:rPr lang="en-GB" dirty="0"/>
+            </a:br>
+            <a:r>
+              <a:rPr lang="en-GB" dirty="0"/>
+              <a:t>failure occurs</a:t>
+            </a:r>
+          </a:p>
+        </p:txBody>
+      </p:sp>
+      <p:pic>
+        <p:nvPicPr>
+          <p:cNvPr id="2" name="Picture 1"/>
+          <p:cNvPicPr>
+            <a:picLocks noChangeAspect="1"/>
+          </p:cNvPicPr>
+          <p:nvPr/>
+        </p:nvPicPr>
+        <p:blipFill rotWithShape="1">
+          <a:blip r:embed="rId2">
+            <a:extLst>
+              <a:ext uri="{28A0092B-C50C-407E-A947-70E740481C1C}">
+                <a14:useLocalDpi xmlns:a14="http://schemas.microsoft.com/office/drawing/2010/main" val="0"/>
+              </a:ext>
+            </a:extLst>
+          </a:blip>
+          <a:srcRect l="11208" t="6510" r="8932" b="3728"/>
+          <a:stretch/>
+        </p:blipFill>
+        <p:spPr>
+          <a:xfrm>
+            <a:off x="4355976" y="2937957"/>
+            <a:ext cx="4104456" cy="2808312"/>
+          </a:xfrm>
+          <a:prstGeom prst="rect">
+            <a:avLst/>
+          </a:prstGeom>
+        </p:spPr>
+      </p:pic>
+    </p:spTree>
+    <p:extLst>
+      <p:ext uri="{BB962C8B-B14F-4D97-AF65-F5344CB8AC3E}">
+        <p14:creationId xmlns:p14="http://schemas.microsoft.com/office/powerpoint/2010/main" val="789739648"/>
+      </p:ext>
+    </p:extLst>
+  </p:cSld>
+  <p:clrMapOvr>
+    <a:masterClrMapping/>
+  </p:clrMapOvr>
+</p:sld>
+</file>
+
+<file path=ppt/slides/slide4.xml><?xml version="1.0" encoding="utf-8"?>
+<p:sld xmlns:a="http://schemas.openxmlformats.org/drawingml/2006/main" xmlns:r="http://schemas.openxmlformats.org/officeDocument/2006/relationships" xmlns:p="http://schemas.openxmlformats.org/presentationml/2006/main">
+  <p:cSld>
+    <p:spTree>
+      <p:nvGrpSpPr>
+        <p:cNvPr id="1" name=""/>
+        <p:cNvGrpSpPr/>
+        <p:nvPr/>
+      </p:nvGrpSpPr>
+      <p:grpSpPr>
+        <a:xfrm>
+          <a:off x="0" y="0"/>
+          <a:ext cx="0" cy="0"/>
+          <a:chOff x="0" y="0"/>
+          <a:chExt cx="0" cy="0"/>
+        </a:xfrm>
+      </p:grpSpPr>
+      <p:sp>
+        <p:nvSpPr>
           <p:cNvPr id="2" name="Title 1"/>
           <p:cNvSpPr>
             <a:spLocks noGrp="1"/>
@@ -5663,127 +5835,6 @@
     <p:extLst>
       <p:ext uri="{BB962C8B-B14F-4D97-AF65-F5344CB8AC3E}">
         <p14:creationId xmlns:p14="http://schemas.microsoft.com/office/powerpoint/2010/main" val="1122626108"/>
-      </p:ext>
-    </p:extLst>
-  </p:cSld>
-  <p:clrMapOvr>
-    <a:masterClrMapping/>
-  </p:clrMapOvr>
-</p:sld>
-</file>
-
-<file path=ppt/slides/slide4.xml><?xml version="1.0" encoding="utf-8"?>
-<p:sld xmlns:a="http://schemas.openxmlformats.org/drawingml/2006/main" xmlns:r="http://schemas.openxmlformats.org/officeDocument/2006/relationships" xmlns:p="http://schemas.openxmlformats.org/presentationml/2006/main">
-  <p:cSld>
-    <p:spTree>
-      <p:nvGrpSpPr>
-        <p:cNvPr id="1" name=""/>
-        <p:cNvGrpSpPr/>
-        <p:nvPr/>
-      </p:nvGrpSpPr>
-      <p:grpSpPr>
-        <a:xfrm>
-          <a:off x="0" y="0"/>
-          <a:ext cx="0" cy="0"/>
-          <a:chOff x="0" y="0"/>
-          <a:chExt cx="0" cy="0"/>
-        </a:xfrm>
-      </p:grpSpPr>
-      <p:sp>
-        <p:nvSpPr>
-          <p:cNvPr id="5" name="Title 4"/>
-          <p:cNvSpPr>
-            <a:spLocks noGrp="1"/>
-          </p:cNvSpPr>
-          <p:nvPr>
-            <p:ph type="title"/>
-          </p:nvPr>
-        </p:nvSpPr>
-        <p:spPr/>
-        <p:txBody>
-          <a:bodyPr/>
-          <a:lstStyle/>
-          <a:p>
-            <a:r>
-              <a:rPr lang="en-GB" dirty="0"/>
-              <a:t>Minimising Latency</a:t>
-            </a:r>
-          </a:p>
-        </p:txBody>
-      </p:sp>
-      <p:sp>
-        <p:nvSpPr>
-          <p:cNvPr id="6" name="Content Placeholder 5"/>
-          <p:cNvSpPr>
-            <a:spLocks noGrp="1"/>
-          </p:cNvSpPr>
-          <p:nvPr>
-            <p:ph idx="1"/>
-          </p:nvPr>
-        </p:nvSpPr>
-        <p:spPr/>
-        <p:txBody>
-          <a:bodyPr/>
-          <a:lstStyle/>
-          <a:p>
-            <a:pPr>
-              <a:buFont typeface="Arial" panose="020B0604020202020204" pitchFamily="34" charset="0"/>
-              <a:buChar char="•"/>
-            </a:pPr>
-            <a:r>
-              <a:rPr lang="en-GB" dirty="0"/>
-              <a:t>Using the Manhattan distance, the algorithm can calculate the closest edge with respect to the user, then migrate the data over to it if needed.</a:t>
-            </a:r>
-          </a:p>
-        </p:txBody>
-      </p:sp>
-      <p:sp>
-        <p:nvSpPr>
-          <p:cNvPr id="7" name="Rectangle 6"/>
-          <p:cNvSpPr/>
-          <p:nvPr/>
-        </p:nvSpPr>
-        <p:spPr>
-          <a:xfrm>
-            <a:off x="5364088" y="3789040"/>
-            <a:ext cx="2664296" cy="2160240"/>
-          </a:xfrm>
-          <a:prstGeom prst="rect">
-            <a:avLst/>
-          </a:prstGeom>
-        </p:spPr>
-        <p:style>
-          <a:lnRef idx="2">
-            <a:schemeClr val="accent1">
-              <a:shade val="50000"/>
-            </a:schemeClr>
-          </a:lnRef>
-          <a:fillRef idx="1">
-            <a:schemeClr val="accent1"/>
-          </a:fillRef>
-          <a:effectRef idx="0">
-            <a:schemeClr val="accent1"/>
-          </a:effectRef>
-          <a:fontRef idx="minor">
-            <a:schemeClr val="lt1"/>
-          </a:fontRef>
-        </p:style>
-        <p:txBody>
-          <a:bodyPr rtlCol="0" anchor="ctr"/>
-          <a:lstStyle/>
-          <a:p>
-            <a:pPr algn="ctr"/>
-            <a:r>
-              <a:rPr lang="en-GB" dirty="0"/>
-              <a:t>Image of Manhattan distance</a:t>
-            </a:r>
-          </a:p>
-        </p:txBody>
-      </p:sp>
-    </p:spTree>
-    <p:extLst>
-      <p:ext uri="{BB962C8B-B14F-4D97-AF65-F5344CB8AC3E}">
-        <p14:creationId xmlns:p14="http://schemas.microsoft.com/office/powerpoint/2010/main" val="3532971816"/>
       </p:ext>
     </p:extLst>
   </p:cSld>
@@ -5827,7 +5878,7 @@
           <a:p>
             <a:r>
               <a:rPr lang="en-GB" dirty="0"/>
-              <a:t>Improved algorithm</a:t>
+              <a:t>Minimising Latency</a:t>
             </a:r>
           </a:p>
         </p:txBody>
@@ -5842,120 +5893,69 @@
             <p:ph idx="1"/>
           </p:nvPr>
         </p:nvSpPr>
-        <p:spPr>
-          <a:xfrm>
-            <a:off x="857224" y="2564904"/>
-            <a:ext cx="7429552" cy="3554419"/>
-          </a:xfrm>
-        </p:spPr>
+        <p:spPr/>
         <p:txBody>
           <a:bodyPr/>
           <a:lstStyle/>
           <a:p>
             <a:pPr>
-              <a:buFont typeface="Arial" charset="0"/>
+              <a:buFont typeface="Arial" panose="020B0604020202020204" pitchFamily="34" charset="0"/>
               <a:buChar char="•"/>
             </a:pPr>
             <a:r>
-              <a:rPr lang="en-GB" dirty="0" err="1"/>
-              <a:t>Preemptive</a:t>
-            </a:r>
-            <a:r>
               <a:rPr lang="en-GB" dirty="0"/>
-              <a:t> migration:</a:t>
-            </a:r>
-            <a:br>
-              <a:rPr lang="en-GB" dirty="0"/>
-            </a:br>
-            <a:endParaRPr lang="en-GB" dirty="0"/>
-          </a:p>
-          <a:p>
-            <a:pPr lvl="1">
-              <a:buFont typeface="Arial" charset="0"/>
-              <a:buChar char="•"/>
-            </a:pPr>
-            <a:r>
-              <a:rPr lang="en-GB" dirty="0"/>
-              <a:t>Looks for fault flags in </a:t>
-            </a:r>
-            <a:br>
-              <a:rPr lang="en-GB" dirty="0"/>
-            </a:br>
-            <a:r>
-              <a:rPr lang="en-GB" dirty="0"/>
-              <a:t>the system w/ </a:t>
-            </a:r>
-            <a:br>
-              <a:rPr lang="en-GB" dirty="0"/>
-            </a:br>
-            <a:r>
-              <a:rPr lang="en-GB" dirty="0"/>
-              <a:t>feedback loop</a:t>
-            </a:r>
-            <a:br>
-              <a:rPr lang="en-GB" dirty="0"/>
-            </a:br>
-            <a:endParaRPr lang="en-GB" dirty="0"/>
-          </a:p>
-          <a:p>
-            <a:pPr lvl="1">
-              <a:buFont typeface="Arial" charset="0"/>
-              <a:buChar char="•"/>
-            </a:pPr>
-            <a:r>
-              <a:rPr lang="en-GB" dirty="0"/>
-              <a:t>Moves tasks to new </a:t>
-            </a:r>
-            <a:br>
-              <a:rPr lang="en-GB" dirty="0"/>
-            </a:br>
-            <a:r>
-              <a:rPr lang="en-GB" dirty="0"/>
-              <a:t>location before a </a:t>
-            </a:r>
-            <a:br>
-              <a:rPr lang="en-GB" dirty="0"/>
-            </a:br>
-            <a:r>
-              <a:rPr lang="en-GB" dirty="0"/>
-              <a:t>failure occurs</a:t>
+              <a:t>Using the Manhattan distance, the algorithm can calculate the closest edge with respect to the user, then migrate the data over to it if needed.</a:t>
             </a:r>
           </a:p>
         </p:txBody>
       </p:sp>
-      <p:pic>
-        <p:nvPicPr>
-          <p:cNvPr id="2" name="Picture 1"/>
-          <p:cNvPicPr>
-            <a:picLocks noChangeAspect="1"/>
-          </p:cNvPicPr>
+      <p:sp>
+        <p:nvSpPr>
+          <p:cNvPr id="7" name="Rectangle 6"/>
+          <p:cNvSpPr/>
           <p:nvPr/>
-        </p:nvPicPr>
-        <p:blipFill rotWithShape="1">
-          <a:blip r:embed="rId2">
-            <a:extLst>
-              <a:ext uri="{28A0092B-C50C-407E-A947-70E740481C1C}">
-                <a14:useLocalDpi xmlns:a14="http://schemas.microsoft.com/office/drawing/2010/main" val="0"/>
-              </a:ext>
-            </a:extLst>
-          </a:blip>
-          <a:srcRect l="11208" t="6510" r="8932" b="3728"/>
-          <a:stretch/>
-        </p:blipFill>
+        </p:nvSpPr>
         <p:spPr>
           <a:xfrm>
-            <a:off x="4355976" y="2937957"/>
-            <a:ext cx="4104456" cy="2808312"/>
+            <a:off x="5364088" y="3789040"/>
+            <a:ext cx="2664296" cy="2160240"/>
           </a:xfrm>
           <a:prstGeom prst="rect">
             <a:avLst/>
           </a:prstGeom>
         </p:spPr>
-      </p:pic>
+        <p:style>
+          <a:lnRef idx="2">
+            <a:schemeClr val="accent1">
+              <a:shade val="50000"/>
+            </a:schemeClr>
+          </a:lnRef>
+          <a:fillRef idx="1">
+            <a:schemeClr val="accent1"/>
+          </a:fillRef>
+          <a:effectRef idx="0">
+            <a:schemeClr val="accent1"/>
+          </a:effectRef>
+          <a:fontRef idx="minor">
+            <a:schemeClr val="lt1"/>
+          </a:fontRef>
+        </p:style>
+        <p:txBody>
+          <a:bodyPr rtlCol="0" anchor="ctr"/>
+          <a:lstStyle/>
+          <a:p>
+            <a:pPr algn="ctr"/>
+            <a:r>
+              <a:rPr lang="en-GB" dirty="0"/>
+              <a:t>Image of Manhattan distance</a:t>
+            </a:r>
+          </a:p>
+        </p:txBody>
+      </p:sp>
     </p:spTree>
     <p:extLst>
       <p:ext uri="{BB962C8B-B14F-4D97-AF65-F5344CB8AC3E}">
-        <p14:creationId xmlns:p14="http://schemas.microsoft.com/office/powerpoint/2010/main" val="789739648"/>
+        <p14:creationId xmlns:p14="http://schemas.microsoft.com/office/powerpoint/2010/main" val="3532971816"/>
       </p:ext>
     </p:extLst>
   </p:cSld>

--- a/presentation2/presentation2.pptx
+++ b/presentation2/presentation2.pptx
@@ -269,7 +269,7 @@
               <a:pPr>
                 <a:defRPr/>
               </a:pPr>
-              <a:t>15.11.16</a:t>
+              <a:t>16.11.2016</a:t>
             </a:fld>
             <a:endParaRPr lang="de-DE"/>
           </a:p>
@@ -1247,7 +1247,7 @@
               <a:pPr>
                 <a:defRPr/>
               </a:pPr>
-              <a:t>15.11.16</a:t>
+              <a:t>16.11.2016</a:t>
             </a:fld>
             <a:endParaRPr lang="de-AT" dirty="0"/>
           </a:p>
@@ -1607,7 +1607,7 @@
               <a:pPr>
                 <a:defRPr/>
               </a:pPr>
-              <a:t>15.11.16</a:t>
+              <a:t>16.11.2016</a:t>
             </a:fld>
             <a:endParaRPr lang="de-DE" dirty="0"/>
           </a:p>
@@ -1864,7 +1864,7 @@
               <a:pPr>
                 <a:defRPr/>
               </a:pPr>
-              <a:t>15.11.16</a:t>
+              <a:t>16.11.2016</a:t>
             </a:fld>
             <a:endParaRPr lang="de-AT" dirty="0"/>
           </a:p>
@@ -2224,7 +2224,7 @@
               <a:pPr>
                 <a:defRPr/>
               </a:pPr>
-              <a:t>15.11.16</a:t>
+              <a:t>16.11.2016</a:t>
             </a:fld>
             <a:endParaRPr lang="de-DE" dirty="0"/>
           </a:p>
@@ -3460,7 +3460,7 @@
               <a:pPr>
                 <a:defRPr/>
               </a:pPr>
-              <a:t>15.11.16</a:t>
+              <a:t>16.11.2016</a:t>
             </a:fld>
             <a:endParaRPr lang="de-DE"/>
           </a:p>
@@ -4319,7 +4319,7 @@
               <a:pPr>
                 <a:defRPr/>
               </a:pPr>
-              <a:t>15.11.16</a:t>
+              <a:t>16.11.2016</a:t>
             </a:fld>
             <a:endParaRPr lang="de-DE"/>
           </a:p>
@@ -5213,7 +5213,14 @@
           <a:bodyPr/>
           <a:lstStyle/>
           <a:p>
-            <a:endParaRPr lang="en-GB" dirty="0"/>
+            <a:pPr>
+              <a:buFont typeface="Arial" panose="020B0604020202020204" pitchFamily="34" charset="0"/>
+              <a:buChar char="•"/>
+            </a:pPr>
+            <a:r>
+              <a:rPr lang="en-GB" dirty="0"/>
+              <a:t>Java as it is a language that lets us represent each entity as a class and we can instantiate as many of each type as we need to run the testing.</a:t>
+            </a:r>
           </a:p>
         </p:txBody>
       </p:sp>
@@ -5365,11 +5372,191 @@
             </a:r>
           </a:p>
           <a:p>
+            <a:pPr lvl="1"/>
+            <a:r>
+              <a:rPr lang="en-GB" dirty="0"/>
+              <a:t>Migrates a failed job to a new VM / PM and tries to re-execute it.</a:t>
+            </a:r>
+          </a:p>
+          <a:p>
+            <a:pPr lvl="1"/>
+            <a:r>
+              <a:rPr lang="en-GB" dirty="0"/>
+              <a:t>More efficient than task resubmission with a higher chance of success on the first attempt.</a:t>
+            </a:r>
+          </a:p>
+          <a:p>
+            <a:pPr lvl="1"/>
+            <a:endParaRPr lang="en-GB" dirty="0"/>
+          </a:p>
+          <a:p>
             <a:pPr>
               <a:buFont typeface="Arial" panose="020B0604020202020204" pitchFamily="34" charset="0"/>
               <a:buChar char="•"/>
             </a:pPr>
             <a:endParaRPr lang="en-GB" dirty="0"/>
+          </a:p>
+        </p:txBody>
+      </p:sp>
+      <p:sp>
+        <p:nvSpPr>
+          <p:cNvPr id="4" name="Rectangle 3"/>
+          <p:cNvSpPr/>
+          <p:nvPr/>
+        </p:nvSpPr>
+        <p:spPr>
+          <a:xfrm>
+            <a:off x="1835696" y="4653136"/>
+            <a:ext cx="914400" cy="914400"/>
+          </a:xfrm>
+          <a:prstGeom prst="rect">
+            <a:avLst/>
+          </a:prstGeom>
+        </p:spPr>
+        <p:style>
+          <a:lnRef idx="2">
+            <a:schemeClr val="accent1">
+              <a:shade val="50000"/>
+            </a:schemeClr>
+          </a:lnRef>
+          <a:fillRef idx="1">
+            <a:schemeClr val="accent1"/>
+          </a:fillRef>
+          <a:effectRef idx="0">
+            <a:schemeClr val="accent1"/>
+          </a:effectRef>
+          <a:fontRef idx="minor">
+            <a:schemeClr val="lt1"/>
+          </a:fontRef>
+        </p:style>
+        <p:txBody>
+          <a:bodyPr rtlCol="0" anchor="ctr"/>
+          <a:lstStyle/>
+          <a:p>
+            <a:pPr algn="ctr"/>
+            <a:r>
+              <a:rPr lang="en-GB" dirty="0"/>
+              <a:t>A</a:t>
+            </a:r>
+          </a:p>
+        </p:txBody>
+      </p:sp>
+      <p:sp>
+        <p:nvSpPr>
+          <p:cNvPr id="5" name="Rectangle 4"/>
+          <p:cNvSpPr/>
+          <p:nvPr/>
+        </p:nvSpPr>
+        <p:spPr>
+          <a:xfrm>
+            <a:off x="6011640" y="4653136"/>
+            <a:ext cx="914400" cy="914400"/>
+          </a:xfrm>
+          <a:prstGeom prst="rect">
+            <a:avLst/>
+          </a:prstGeom>
+        </p:spPr>
+        <p:style>
+          <a:lnRef idx="2">
+            <a:schemeClr val="accent1">
+              <a:shade val="50000"/>
+            </a:schemeClr>
+          </a:lnRef>
+          <a:fillRef idx="1">
+            <a:schemeClr val="accent1"/>
+          </a:fillRef>
+          <a:effectRef idx="0">
+            <a:schemeClr val="accent1"/>
+          </a:effectRef>
+          <a:fontRef idx="minor">
+            <a:schemeClr val="lt1"/>
+          </a:fontRef>
+        </p:style>
+        <p:txBody>
+          <a:bodyPr rtlCol="0" anchor="ctr"/>
+          <a:lstStyle/>
+          <a:p>
+            <a:pPr algn="ctr"/>
+            <a:r>
+              <a:rPr lang="en-GB" dirty="0"/>
+              <a:t>B</a:t>
+            </a:r>
+          </a:p>
+        </p:txBody>
+      </p:sp>
+      <p:cxnSp>
+        <p:nvCxnSpPr>
+          <p:cNvPr id="6" name="Straight Arrow Connector 5"/>
+          <p:cNvCxnSpPr>
+            <a:stCxn id="4" idx="3"/>
+            <a:endCxn id="5" idx="1"/>
+          </p:cNvCxnSpPr>
+          <p:nvPr/>
+        </p:nvCxnSpPr>
+        <p:spPr>
+          <a:xfrm>
+            <a:off x="2750096" y="5110336"/>
+            <a:ext cx="3261544" cy="0"/>
+          </a:xfrm>
+          <a:prstGeom prst="straightConnector1">
+            <a:avLst/>
+          </a:prstGeom>
+          <a:ln>
+            <a:tailEnd type="triangle"/>
+          </a:ln>
+        </p:spPr>
+        <p:style>
+          <a:lnRef idx="1">
+            <a:schemeClr val="accent1"/>
+          </a:lnRef>
+          <a:fillRef idx="0">
+            <a:schemeClr val="accent1"/>
+          </a:fillRef>
+          <a:effectRef idx="0">
+            <a:schemeClr val="accent1"/>
+          </a:effectRef>
+          <a:fontRef idx="minor">
+            <a:schemeClr val="tx1"/>
+          </a:fontRef>
+        </p:style>
+      </p:cxnSp>
+      <p:sp>
+        <p:nvSpPr>
+          <p:cNvPr id="7" name="Multiplication Sign 6"/>
+          <p:cNvSpPr/>
+          <p:nvPr/>
+        </p:nvSpPr>
+        <p:spPr>
+          <a:xfrm>
+            <a:off x="1992362" y="4797152"/>
+            <a:ext cx="618432" cy="626368"/>
+          </a:xfrm>
+          <a:prstGeom prst="mathMultiply">
+            <a:avLst/>
+          </a:prstGeom>
+        </p:spPr>
+        <p:style>
+          <a:lnRef idx="2">
+            <a:schemeClr val="accent2">
+              <a:shade val="50000"/>
+            </a:schemeClr>
+          </a:lnRef>
+          <a:fillRef idx="1">
+            <a:schemeClr val="accent2"/>
+          </a:fillRef>
+          <a:effectRef idx="0">
+            <a:schemeClr val="accent2"/>
+          </a:effectRef>
+          <a:fontRef idx="minor">
+            <a:schemeClr val="lt1"/>
+          </a:fontRef>
+        </p:style>
+        <p:txBody>
+          <a:bodyPr rtlCol="0" anchor="ctr"/>
+          <a:lstStyle/>
+          <a:p>
+            <a:pPr algn="ctr"/>
+            <a:endParaRPr lang="en-GB"/>
           </a:p>
         </p:txBody>
       </p:sp>
@@ -5383,6 +5570,221 @@
   <p:clrMapOvr>
     <a:masterClrMapping/>
   </p:clrMapOvr>
+  <p:timing>
+    <p:tnLst>
+      <p:par>
+        <p:cTn id="1" dur="indefinite" restart="never" nodeType="tmRoot">
+          <p:childTnLst>
+            <p:seq concurrent="1" nextAc="seek">
+              <p:cTn id="2" dur="indefinite" nodeType="mainSeq">
+                <p:childTnLst>
+                  <p:par>
+                    <p:cTn id="3" fill="hold">
+                      <p:stCondLst>
+                        <p:cond delay="indefinite"/>
+                      </p:stCondLst>
+                      <p:childTnLst>
+                        <p:par>
+                          <p:cTn id="4" fill="hold">
+                            <p:stCondLst>
+                              <p:cond delay="0"/>
+                            </p:stCondLst>
+                            <p:childTnLst>
+                              <p:par>
+                                <p:cTn id="5" presetID="1" presetClass="entr" presetSubtype="0" fill="hold" grpId="0" nodeType="clickEffect">
+                                  <p:stCondLst>
+                                    <p:cond delay="0"/>
+                                  </p:stCondLst>
+                                  <p:childTnLst>
+                                    <p:set>
+                                      <p:cBhvr>
+                                        <p:cTn id="6" dur="1" fill="hold">
+                                          <p:stCondLst>
+                                            <p:cond delay="0"/>
+                                          </p:stCondLst>
+                                        </p:cTn>
+                                        <p:tgtEl>
+                                          <p:spTgt spid="4"/>
+                                        </p:tgtEl>
+                                        <p:attrNameLst>
+                                          <p:attrName>style.visibility</p:attrName>
+                                        </p:attrNameLst>
+                                      </p:cBhvr>
+                                      <p:to>
+                                        <p:strVal val="visible"/>
+                                      </p:to>
+                                    </p:set>
+                                  </p:childTnLst>
+                                </p:cTn>
+                              </p:par>
+                            </p:childTnLst>
+                          </p:cTn>
+                        </p:par>
+                      </p:childTnLst>
+                    </p:cTn>
+                  </p:par>
+                  <p:par>
+                    <p:cTn id="7" fill="hold">
+                      <p:stCondLst>
+                        <p:cond delay="indefinite"/>
+                      </p:stCondLst>
+                      <p:childTnLst>
+                        <p:par>
+                          <p:cTn id="8" fill="hold">
+                            <p:stCondLst>
+                              <p:cond delay="0"/>
+                            </p:stCondLst>
+                            <p:childTnLst>
+                              <p:par>
+                                <p:cTn id="9" presetID="1" presetClass="entr" presetSubtype="0" fill="hold" grpId="0" nodeType="clickEffect">
+                                  <p:stCondLst>
+                                    <p:cond delay="0"/>
+                                  </p:stCondLst>
+                                  <p:childTnLst>
+                                    <p:set>
+                                      <p:cBhvr>
+                                        <p:cTn id="10" dur="1" fill="hold">
+                                          <p:stCondLst>
+                                            <p:cond delay="0"/>
+                                          </p:stCondLst>
+                                        </p:cTn>
+                                        <p:tgtEl>
+                                          <p:spTgt spid="7"/>
+                                        </p:tgtEl>
+                                        <p:attrNameLst>
+                                          <p:attrName>style.visibility</p:attrName>
+                                        </p:attrNameLst>
+                                      </p:cBhvr>
+                                      <p:to>
+                                        <p:strVal val="visible"/>
+                                      </p:to>
+                                    </p:set>
+                                  </p:childTnLst>
+                                </p:cTn>
+                              </p:par>
+                            </p:childTnLst>
+                          </p:cTn>
+                        </p:par>
+                      </p:childTnLst>
+                    </p:cTn>
+                  </p:par>
+                  <p:par>
+                    <p:cTn id="11" fill="hold">
+                      <p:stCondLst>
+                        <p:cond delay="indefinite"/>
+                      </p:stCondLst>
+                      <p:childTnLst>
+                        <p:par>
+                          <p:cTn id="12" fill="hold">
+                            <p:stCondLst>
+                              <p:cond delay="0"/>
+                            </p:stCondLst>
+                            <p:childTnLst>
+                              <p:par>
+                                <p:cTn id="13" presetID="1" presetClass="entr" presetSubtype="0" fill="hold" nodeType="clickEffect">
+                                  <p:stCondLst>
+                                    <p:cond delay="0"/>
+                                  </p:stCondLst>
+                                  <p:childTnLst>
+                                    <p:set>
+                                      <p:cBhvr>
+                                        <p:cTn id="14" dur="1" fill="hold">
+                                          <p:stCondLst>
+                                            <p:cond delay="0"/>
+                                          </p:stCondLst>
+                                        </p:cTn>
+                                        <p:tgtEl>
+                                          <p:spTgt spid="6"/>
+                                        </p:tgtEl>
+                                        <p:attrNameLst>
+                                          <p:attrName>style.visibility</p:attrName>
+                                        </p:attrNameLst>
+                                      </p:cBhvr>
+                                      <p:to>
+                                        <p:strVal val="visible"/>
+                                      </p:to>
+                                    </p:set>
+                                  </p:childTnLst>
+                                </p:cTn>
+                              </p:par>
+                            </p:childTnLst>
+                          </p:cTn>
+                        </p:par>
+                      </p:childTnLst>
+                    </p:cTn>
+                  </p:par>
+                  <p:par>
+                    <p:cTn id="15" fill="hold">
+                      <p:stCondLst>
+                        <p:cond delay="indefinite"/>
+                      </p:stCondLst>
+                      <p:childTnLst>
+                        <p:par>
+                          <p:cTn id="16" fill="hold">
+                            <p:stCondLst>
+                              <p:cond delay="0"/>
+                            </p:stCondLst>
+                            <p:childTnLst>
+                              <p:par>
+                                <p:cTn id="17" presetID="1" presetClass="entr" presetSubtype="0" fill="hold" grpId="0" nodeType="clickEffect">
+                                  <p:stCondLst>
+                                    <p:cond delay="0"/>
+                                  </p:stCondLst>
+                                  <p:childTnLst>
+                                    <p:set>
+                                      <p:cBhvr>
+                                        <p:cTn id="18" dur="1" fill="hold">
+                                          <p:stCondLst>
+                                            <p:cond delay="0"/>
+                                          </p:stCondLst>
+                                        </p:cTn>
+                                        <p:tgtEl>
+                                          <p:spTgt spid="5"/>
+                                        </p:tgtEl>
+                                        <p:attrNameLst>
+                                          <p:attrName>style.visibility</p:attrName>
+                                        </p:attrNameLst>
+                                      </p:cBhvr>
+                                      <p:to>
+                                        <p:strVal val="visible"/>
+                                      </p:to>
+                                    </p:set>
+                                  </p:childTnLst>
+                                </p:cTn>
+                              </p:par>
+                            </p:childTnLst>
+                          </p:cTn>
+                        </p:par>
+                      </p:childTnLst>
+                    </p:cTn>
+                  </p:par>
+                </p:childTnLst>
+              </p:cTn>
+              <p:prevCondLst>
+                <p:cond evt="onPrev" delay="0">
+                  <p:tgtEl>
+                    <p:sldTgt/>
+                  </p:tgtEl>
+                </p:cond>
+              </p:prevCondLst>
+              <p:nextCondLst>
+                <p:cond evt="onNext" delay="0">
+                  <p:tgtEl>
+                    <p:sldTgt/>
+                  </p:tgtEl>
+                </p:cond>
+              </p:nextCondLst>
+            </p:seq>
+          </p:childTnLst>
+        </p:cTn>
+      </p:par>
+    </p:tnLst>
+    <p:bldLst>
+      <p:bldP spid="4" grpId="0" animBg="1"/>
+      <p:bldP spid="5" grpId="0" animBg="1"/>
+      <p:bldP spid="7" grpId="0" animBg="1"/>
+    </p:bldLst>
+  </p:timing>
 </p:sld>
 </file>
 
@@ -5450,12 +5852,12 @@
               <a:buChar char="•"/>
             </a:pPr>
             <a:r>
-              <a:rPr lang="en-GB" dirty="0" err="1"/>
-              <a:t>Preemptive</a:t>
+              <a:rPr lang="en-GB"/>
+              <a:t>Pre-emptive </a:t>
             </a:r>
             <a:r>
               <a:rPr lang="en-GB" dirty="0"/>
-              <a:t> migration:</a:t>
+              <a:t>migration:</a:t>
             </a:r>
             <a:br>
               <a:rPr lang="en-GB" dirty="0"/>
@@ -5831,6 +6233,86 @@
           </a:fontRef>
         </p:style>
       </p:cxnSp>
+      <p:sp>
+        <p:nvSpPr>
+          <p:cNvPr id="3" name="Multiplication Sign 2"/>
+          <p:cNvSpPr/>
+          <p:nvPr/>
+        </p:nvSpPr>
+        <p:spPr>
+          <a:xfrm>
+            <a:off x="4268012" y="3892235"/>
+            <a:ext cx="607976" cy="616496"/>
+          </a:xfrm>
+          <a:prstGeom prst="mathMultiply">
+            <a:avLst/>
+          </a:prstGeom>
+        </p:spPr>
+        <p:style>
+          <a:lnRef idx="2">
+            <a:schemeClr val="accent2">
+              <a:shade val="50000"/>
+            </a:schemeClr>
+          </a:lnRef>
+          <a:fillRef idx="1">
+            <a:schemeClr val="accent2"/>
+          </a:fillRef>
+          <a:effectRef idx="0">
+            <a:schemeClr val="accent2"/>
+          </a:effectRef>
+          <a:fontRef idx="minor">
+            <a:schemeClr val="lt1"/>
+          </a:fontRef>
+        </p:style>
+        <p:txBody>
+          <a:bodyPr rtlCol="0" anchor="ctr"/>
+          <a:lstStyle/>
+          <a:p>
+            <a:pPr algn="ctr"/>
+            <a:endParaRPr lang="en-GB"/>
+          </a:p>
+        </p:txBody>
+      </p:sp>
+      <p:sp>
+        <p:nvSpPr>
+          <p:cNvPr id="4" name="Multiplication Sign 3"/>
+          <p:cNvSpPr/>
+          <p:nvPr/>
+        </p:nvSpPr>
+        <p:spPr>
+          <a:xfrm>
+            <a:off x="3241434" y="4273525"/>
+            <a:ext cx="449784" cy="500063"/>
+          </a:xfrm>
+          <a:prstGeom prst="mathMultiply">
+            <a:avLst/>
+          </a:prstGeom>
+        </p:spPr>
+        <p:style>
+          <a:lnRef idx="2">
+            <a:schemeClr val="accent2">
+              <a:shade val="50000"/>
+            </a:schemeClr>
+          </a:lnRef>
+          <a:fillRef idx="1">
+            <a:schemeClr val="accent2"/>
+          </a:fillRef>
+          <a:effectRef idx="0">
+            <a:schemeClr val="accent2"/>
+          </a:effectRef>
+          <a:fontRef idx="minor">
+            <a:schemeClr val="lt1"/>
+          </a:fontRef>
+        </p:style>
+        <p:txBody>
+          <a:bodyPr rtlCol="0" anchor="ctr"/>
+          <a:lstStyle/>
+          <a:p>
+            <a:pPr algn="ctr"/>
+            <a:endParaRPr lang="en-GB"/>
+          </a:p>
+        </p:txBody>
+      </p:sp>
     </p:spTree>
     <p:extLst>
       <p:ext uri="{BB962C8B-B14F-4D97-AF65-F5344CB8AC3E}">
@@ -5841,6 +6323,358 @@
   <p:clrMapOvr>
     <a:masterClrMapping/>
   </p:clrMapOvr>
+  <p:timing>
+    <p:tnLst>
+      <p:par>
+        <p:cTn id="1" dur="indefinite" restart="never" nodeType="tmRoot">
+          <p:childTnLst>
+            <p:seq concurrent="1" nextAc="seek">
+              <p:cTn id="2" dur="indefinite" nodeType="mainSeq">
+                <p:childTnLst>
+                  <p:par>
+                    <p:cTn id="3" fill="hold">
+                      <p:stCondLst>
+                        <p:cond delay="indefinite"/>
+                      </p:stCondLst>
+                      <p:childTnLst>
+                        <p:par>
+                          <p:cTn id="4" fill="hold">
+                            <p:stCondLst>
+                              <p:cond delay="0"/>
+                            </p:stCondLst>
+                            <p:childTnLst>
+                              <p:par>
+                                <p:cTn id="5" presetID="1" presetClass="entr" presetSubtype="0" fill="hold" grpId="0" nodeType="clickEffect">
+                                  <p:stCondLst>
+                                    <p:cond delay="0"/>
+                                  </p:stCondLst>
+                                  <p:childTnLst>
+                                    <p:set>
+                                      <p:cBhvr>
+                                        <p:cTn id="6" dur="1" fill="hold">
+                                          <p:stCondLst>
+                                            <p:cond delay="0"/>
+                                          </p:stCondLst>
+                                        </p:cTn>
+                                        <p:tgtEl>
+                                          <p:spTgt spid="6"/>
+                                        </p:tgtEl>
+                                        <p:attrNameLst>
+                                          <p:attrName>style.visibility</p:attrName>
+                                        </p:attrNameLst>
+                                      </p:cBhvr>
+                                      <p:to>
+                                        <p:strVal val="visible"/>
+                                      </p:to>
+                                    </p:set>
+                                  </p:childTnLst>
+                                </p:cTn>
+                              </p:par>
+                            </p:childTnLst>
+                          </p:cTn>
+                        </p:par>
+                      </p:childTnLst>
+                    </p:cTn>
+                  </p:par>
+                  <p:par>
+                    <p:cTn id="7" fill="hold">
+                      <p:stCondLst>
+                        <p:cond delay="indefinite"/>
+                      </p:stCondLst>
+                      <p:childTnLst>
+                        <p:par>
+                          <p:cTn id="8" fill="hold">
+                            <p:stCondLst>
+                              <p:cond delay="0"/>
+                            </p:stCondLst>
+                            <p:childTnLst>
+                              <p:par>
+                                <p:cTn id="9" presetID="1" presetClass="entr" presetSubtype="0" fill="hold" nodeType="clickEffect">
+                                  <p:stCondLst>
+                                    <p:cond delay="0"/>
+                                  </p:stCondLst>
+                                  <p:childTnLst>
+                                    <p:set>
+                                      <p:cBhvr>
+                                        <p:cTn id="10" dur="1" fill="hold">
+                                          <p:stCondLst>
+                                            <p:cond delay="0"/>
+                                          </p:stCondLst>
+                                        </p:cTn>
+                                        <p:tgtEl>
+                                          <p:spTgt spid="10"/>
+                                        </p:tgtEl>
+                                        <p:attrNameLst>
+                                          <p:attrName>style.visibility</p:attrName>
+                                        </p:attrNameLst>
+                                      </p:cBhvr>
+                                      <p:to>
+                                        <p:strVal val="visible"/>
+                                      </p:to>
+                                    </p:set>
+                                  </p:childTnLst>
+                                </p:cTn>
+                              </p:par>
+                            </p:childTnLst>
+                          </p:cTn>
+                        </p:par>
+                      </p:childTnLst>
+                    </p:cTn>
+                  </p:par>
+                  <p:par>
+                    <p:cTn id="11" fill="hold">
+                      <p:stCondLst>
+                        <p:cond delay="indefinite"/>
+                      </p:stCondLst>
+                      <p:childTnLst>
+                        <p:par>
+                          <p:cTn id="12" fill="hold">
+                            <p:stCondLst>
+                              <p:cond delay="0"/>
+                            </p:stCondLst>
+                            <p:childTnLst>
+                              <p:par>
+                                <p:cTn id="13" presetID="1" presetClass="entr" presetSubtype="0" fill="hold" grpId="0" nodeType="clickEffect">
+                                  <p:stCondLst>
+                                    <p:cond delay="0"/>
+                                  </p:stCondLst>
+                                  <p:childTnLst>
+                                    <p:set>
+                                      <p:cBhvr>
+                                        <p:cTn id="14" dur="1" fill="hold">
+                                          <p:stCondLst>
+                                            <p:cond delay="0"/>
+                                          </p:stCondLst>
+                                        </p:cTn>
+                                        <p:tgtEl>
+                                          <p:spTgt spid="7"/>
+                                        </p:tgtEl>
+                                        <p:attrNameLst>
+                                          <p:attrName>style.visibility</p:attrName>
+                                        </p:attrNameLst>
+                                      </p:cBhvr>
+                                      <p:to>
+                                        <p:strVal val="visible"/>
+                                      </p:to>
+                                    </p:set>
+                                  </p:childTnLst>
+                                </p:cTn>
+                              </p:par>
+                            </p:childTnLst>
+                          </p:cTn>
+                        </p:par>
+                      </p:childTnLst>
+                    </p:cTn>
+                  </p:par>
+                  <p:par>
+                    <p:cTn id="15" fill="hold">
+                      <p:stCondLst>
+                        <p:cond delay="indefinite"/>
+                      </p:stCondLst>
+                      <p:childTnLst>
+                        <p:par>
+                          <p:cTn id="16" fill="hold">
+                            <p:stCondLst>
+                              <p:cond delay="0"/>
+                            </p:stCondLst>
+                            <p:childTnLst>
+                              <p:par>
+                                <p:cTn id="17" presetID="1" presetClass="entr" presetSubtype="0" fill="hold" grpId="0" nodeType="clickEffect">
+                                  <p:stCondLst>
+                                    <p:cond delay="0"/>
+                                  </p:stCondLst>
+                                  <p:childTnLst>
+                                    <p:set>
+                                      <p:cBhvr>
+                                        <p:cTn id="18" dur="1" fill="hold">
+                                          <p:stCondLst>
+                                            <p:cond delay="0"/>
+                                          </p:stCondLst>
+                                        </p:cTn>
+                                        <p:tgtEl>
+                                          <p:spTgt spid="3"/>
+                                        </p:tgtEl>
+                                        <p:attrNameLst>
+                                          <p:attrName>style.visibility</p:attrName>
+                                        </p:attrNameLst>
+                                      </p:cBhvr>
+                                      <p:to>
+                                        <p:strVal val="visible"/>
+                                      </p:to>
+                                    </p:set>
+                                  </p:childTnLst>
+                                </p:cTn>
+                              </p:par>
+                            </p:childTnLst>
+                          </p:cTn>
+                        </p:par>
+                      </p:childTnLst>
+                    </p:cTn>
+                  </p:par>
+                  <p:par>
+                    <p:cTn id="19" fill="hold">
+                      <p:stCondLst>
+                        <p:cond delay="indefinite"/>
+                      </p:stCondLst>
+                      <p:childTnLst>
+                        <p:par>
+                          <p:cTn id="20" fill="hold">
+                            <p:stCondLst>
+                              <p:cond delay="0"/>
+                            </p:stCondLst>
+                            <p:childTnLst>
+                              <p:par>
+                                <p:cTn id="21" presetID="1" presetClass="entr" presetSubtype="0" fill="hold" grpId="0" nodeType="clickEffect">
+                                  <p:stCondLst>
+                                    <p:cond delay="0"/>
+                                  </p:stCondLst>
+                                  <p:childTnLst>
+                                    <p:set>
+                                      <p:cBhvr>
+                                        <p:cTn id="22" dur="1" fill="hold">
+                                          <p:stCondLst>
+                                            <p:cond delay="0"/>
+                                          </p:stCondLst>
+                                        </p:cTn>
+                                        <p:tgtEl>
+                                          <p:spTgt spid="4"/>
+                                        </p:tgtEl>
+                                        <p:attrNameLst>
+                                          <p:attrName>style.visibility</p:attrName>
+                                        </p:attrNameLst>
+                                      </p:cBhvr>
+                                      <p:to>
+                                        <p:strVal val="visible"/>
+                                      </p:to>
+                                    </p:set>
+                                  </p:childTnLst>
+                                </p:cTn>
+                              </p:par>
+                            </p:childTnLst>
+                          </p:cTn>
+                        </p:par>
+                      </p:childTnLst>
+                    </p:cTn>
+                  </p:par>
+                  <p:par>
+                    <p:cTn id="23" fill="hold">
+                      <p:stCondLst>
+                        <p:cond delay="indefinite"/>
+                      </p:stCondLst>
+                      <p:childTnLst>
+                        <p:par>
+                          <p:cTn id="24" fill="hold">
+                            <p:stCondLst>
+                              <p:cond delay="0"/>
+                            </p:stCondLst>
+                            <p:childTnLst>
+                              <p:par>
+                                <p:cTn id="25" presetID="1" presetClass="entr" presetSubtype="0" fill="hold" nodeType="clickEffect">
+                                  <p:stCondLst>
+                                    <p:cond delay="0"/>
+                                  </p:stCondLst>
+                                  <p:childTnLst>
+                                    <p:set>
+                                      <p:cBhvr>
+                                        <p:cTn id="26" dur="1" fill="hold">
+                                          <p:stCondLst>
+                                            <p:cond delay="0"/>
+                                          </p:stCondLst>
+                                        </p:cTn>
+                                        <p:tgtEl>
+                                          <p:spTgt spid="13"/>
+                                        </p:tgtEl>
+                                        <p:attrNameLst>
+                                          <p:attrName>style.visibility</p:attrName>
+                                        </p:attrNameLst>
+                                      </p:cBhvr>
+                                      <p:to>
+                                        <p:strVal val="visible"/>
+                                      </p:to>
+                                    </p:set>
+                                  </p:childTnLst>
+                                </p:cTn>
+                              </p:par>
+                            </p:childTnLst>
+                          </p:cTn>
+                        </p:par>
+                      </p:childTnLst>
+                    </p:cTn>
+                  </p:par>
+                  <p:par>
+                    <p:cTn id="27" fill="hold">
+                      <p:stCondLst>
+                        <p:cond delay="indefinite"/>
+                      </p:stCondLst>
+                      <p:childTnLst>
+                        <p:par>
+                          <p:cTn id="28" fill="hold">
+                            <p:stCondLst>
+                              <p:cond delay="0"/>
+                            </p:stCondLst>
+                            <p:childTnLst>
+                              <p:par>
+                                <p:cTn id="29" presetID="1" presetClass="entr" presetSubtype="0" fill="hold" grpId="0" nodeType="clickEffect">
+                                  <p:stCondLst>
+                                    <p:cond delay="0"/>
+                                  </p:stCondLst>
+                                  <p:childTnLst>
+                                    <p:set>
+                                      <p:cBhvr>
+                                        <p:cTn id="30" dur="1" fill="hold">
+                                          <p:stCondLst>
+                                            <p:cond delay="0"/>
+                                          </p:stCondLst>
+                                        </p:cTn>
+                                        <p:tgtEl>
+                                          <p:spTgt spid="8"/>
+                                        </p:tgtEl>
+                                        <p:attrNameLst>
+                                          <p:attrName>style.visibility</p:attrName>
+                                        </p:attrNameLst>
+                                      </p:cBhvr>
+                                      <p:to>
+                                        <p:strVal val="visible"/>
+                                      </p:to>
+                                    </p:set>
+                                  </p:childTnLst>
+                                </p:cTn>
+                              </p:par>
+                            </p:childTnLst>
+                          </p:cTn>
+                        </p:par>
+                      </p:childTnLst>
+                    </p:cTn>
+                  </p:par>
+                </p:childTnLst>
+              </p:cTn>
+              <p:prevCondLst>
+                <p:cond evt="onPrev" delay="0">
+                  <p:tgtEl>
+                    <p:sldTgt/>
+                  </p:tgtEl>
+                </p:cond>
+              </p:prevCondLst>
+              <p:nextCondLst>
+                <p:cond evt="onNext" delay="0">
+                  <p:tgtEl>
+                    <p:sldTgt/>
+                  </p:tgtEl>
+                </p:cond>
+              </p:nextCondLst>
+            </p:seq>
+          </p:childTnLst>
+        </p:cTn>
+      </p:par>
+    </p:tnLst>
+    <p:bldLst>
+      <p:bldP spid="6" grpId="0" animBg="1"/>
+      <p:bldP spid="7" grpId="0" animBg="1"/>
+      <p:bldP spid="8" grpId="0" animBg="1"/>
+      <p:bldP spid="3" grpId="0" animBg="1"/>
+      <p:bldP spid="4" grpId="0" animBg="1"/>
+    </p:bldLst>
+  </p:timing>
 </p:sld>
 </file>
 
@@ -5907,34 +6741,1230 @@
               <a:t>Using the Manhattan distance, the algorithm can calculate the closest edge with respect to the user, then migrate the data over to it if needed.</a:t>
             </a:r>
           </a:p>
+          <a:p>
+            <a:pPr>
+              <a:buFont typeface="Arial" panose="020B0604020202020204" pitchFamily="34" charset="0"/>
+              <a:buChar char="•"/>
+            </a:pPr>
+            <a:endParaRPr lang="en-GB" dirty="0"/>
+          </a:p>
+          <a:p>
+            <a:pPr lvl="8"/>
+            <a:r>
+              <a:rPr lang="en-GB" dirty="0">
+                <a:solidFill>
+                  <a:srgbClr val="C00000"/>
+                </a:solidFill>
+              </a:rPr>
+              <a:t>4(Distance)x30ms(Latency)</a:t>
+            </a:r>
+          </a:p>
+          <a:p>
+            <a:pPr lvl="8"/>
+            <a:endParaRPr lang="en-GB" dirty="0">
+              <a:solidFill>
+                <a:srgbClr val="C00000"/>
+              </a:solidFill>
+            </a:endParaRPr>
+          </a:p>
+          <a:p>
+            <a:pPr lvl="8"/>
+            <a:r>
+              <a:rPr lang="en-GB" dirty="0">
+                <a:solidFill>
+                  <a:schemeClr val="accent6">
+                    <a:lumMod val="75000"/>
+                  </a:schemeClr>
+                </a:solidFill>
+              </a:rPr>
+              <a:t>2(Distance)x30ms(Latency)</a:t>
+            </a:r>
+            <a:endParaRPr lang="en-GB" dirty="0">
+              <a:solidFill>
+                <a:schemeClr val="accent6">
+                  <a:lumMod val="75000"/>
+                </a:schemeClr>
+              </a:solidFill>
+            </a:endParaRPr>
+          </a:p>
         </p:txBody>
       </p:sp>
+      <p:graphicFrame>
+        <p:nvGraphicFramePr>
+          <p:cNvPr id="2" name="Table 1"/>
+          <p:cNvGraphicFramePr>
+            <a:graphicFrameLocks noGrp="1"/>
+          </p:cNvGraphicFramePr>
+          <p:nvPr>
+            <p:extLst>
+              <p:ext uri="{D42A27DB-BD31-4B8C-83A1-F6EECF244321}">
+                <p14:modId xmlns:p14="http://schemas.microsoft.com/office/powerpoint/2010/main" val="3228584558"/>
+              </p:ext>
+            </p:extLst>
+          </p:nvPr>
+        </p:nvGraphicFramePr>
+        <p:xfrm>
+          <a:off x="1331715" y="3789040"/>
+          <a:ext cx="3264023" cy="2595880"/>
+        </p:xfrm>
+        <a:graphic>
+          <a:graphicData uri="http://schemas.openxmlformats.org/drawingml/2006/table">
+            <a:tbl>
+              <a:tblPr firstRow="1" bandRow="1">
+                <a:tableStyleId>{D7AC3CCA-C797-4891-BE02-D94E43425B78}</a:tableStyleId>
+              </a:tblPr>
+              <a:tblGrid>
+                <a:gridCol w="466289">
+                  <a:extLst>
+                    <a:ext uri="{9D8B030D-6E8A-4147-A177-3AD203B41FA5}">
+                      <a16:colId xmlns:a16="http://schemas.microsoft.com/office/drawing/2014/main" val="4095633484"/>
+                    </a:ext>
+                  </a:extLst>
+                </a:gridCol>
+                <a:gridCol w="466289">
+                  <a:extLst>
+                    <a:ext uri="{9D8B030D-6E8A-4147-A177-3AD203B41FA5}">
+                      <a16:colId xmlns:a16="http://schemas.microsoft.com/office/drawing/2014/main" val="111605712"/>
+                    </a:ext>
+                  </a:extLst>
+                </a:gridCol>
+                <a:gridCol w="466289">
+                  <a:extLst>
+                    <a:ext uri="{9D8B030D-6E8A-4147-A177-3AD203B41FA5}">
+                      <a16:colId xmlns:a16="http://schemas.microsoft.com/office/drawing/2014/main" val="1948384650"/>
+                    </a:ext>
+                  </a:extLst>
+                </a:gridCol>
+                <a:gridCol w="466289">
+                  <a:extLst>
+                    <a:ext uri="{9D8B030D-6E8A-4147-A177-3AD203B41FA5}">
+                      <a16:colId xmlns:a16="http://schemas.microsoft.com/office/drawing/2014/main" val="1364639695"/>
+                    </a:ext>
+                  </a:extLst>
+                </a:gridCol>
+                <a:gridCol w="466289">
+                  <a:extLst>
+                    <a:ext uri="{9D8B030D-6E8A-4147-A177-3AD203B41FA5}">
+                      <a16:colId xmlns:a16="http://schemas.microsoft.com/office/drawing/2014/main" val="1708561170"/>
+                    </a:ext>
+                  </a:extLst>
+                </a:gridCol>
+                <a:gridCol w="466289">
+                  <a:extLst>
+                    <a:ext uri="{9D8B030D-6E8A-4147-A177-3AD203B41FA5}">
+                      <a16:colId xmlns:a16="http://schemas.microsoft.com/office/drawing/2014/main" val="1594803850"/>
+                    </a:ext>
+                  </a:extLst>
+                </a:gridCol>
+                <a:gridCol w="466289">
+                  <a:extLst>
+                    <a:ext uri="{9D8B030D-6E8A-4147-A177-3AD203B41FA5}">
+                      <a16:colId xmlns:a16="http://schemas.microsoft.com/office/drawing/2014/main" val="1372114372"/>
+                    </a:ext>
+                  </a:extLst>
+                </a:gridCol>
+              </a:tblGrid>
+              <a:tr h="370840">
+                <a:tc>
+                  <a:txBody>
+                    <a:bodyPr/>
+                    <a:lstStyle/>
+                    <a:p>
+                      <a:endParaRPr lang="en-GB" dirty="0">
+                        <a:solidFill>
+                          <a:schemeClr val="bg1"/>
+                        </a:solidFill>
+                      </a:endParaRPr>
+                    </a:p>
+                  </a:txBody>
+                  <a:tcPr>
+                    <a:solidFill>
+                      <a:schemeClr val="bg1">
+                        <a:lumMod val="65000"/>
+                      </a:schemeClr>
+                    </a:solidFill>
+                  </a:tcPr>
+                </a:tc>
+                <a:tc>
+                  <a:txBody>
+                    <a:bodyPr/>
+                    <a:lstStyle/>
+                    <a:p>
+                      <a:pPr algn="ctr"/>
+                      <a:r>
+                        <a:rPr lang="en-GB" dirty="0">
+                          <a:solidFill>
+                            <a:schemeClr val="bg1"/>
+                          </a:solidFill>
+                        </a:rPr>
+                        <a:t>E</a:t>
+                      </a:r>
+                    </a:p>
+                  </a:txBody>
+                  <a:tcPr>
+                    <a:solidFill>
+                      <a:srgbClr val="006699"/>
+                    </a:solidFill>
+                  </a:tcPr>
+                </a:tc>
+                <a:tc>
+                  <a:txBody>
+                    <a:bodyPr/>
+                    <a:lstStyle/>
+                    <a:p>
+                      <a:endParaRPr lang="en-GB" dirty="0">
+                        <a:solidFill>
+                          <a:schemeClr val="bg1"/>
+                        </a:solidFill>
+                      </a:endParaRPr>
+                    </a:p>
+                  </a:txBody>
+                  <a:tcPr>
+                    <a:solidFill>
+                      <a:schemeClr val="bg1">
+                        <a:lumMod val="65000"/>
+                      </a:schemeClr>
+                    </a:solidFill>
+                  </a:tcPr>
+                </a:tc>
+                <a:tc>
+                  <a:txBody>
+                    <a:bodyPr/>
+                    <a:lstStyle/>
+                    <a:p>
+                      <a:endParaRPr lang="en-GB">
+                        <a:solidFill>
+                          <a:schemeClr val="bg1"/>
+                        </a:solidFill>
+                      </a:endParaRPr>
+                    </a:p>
+                  </a:txBody>
+                  <a:tcPr>
+                    <a:solidFill>
+                      <a:schemeClr val="bg1">
+                        <a:lumMod val="65000"/>
+                      </a:schemeClr>
+                    </a:solidFill>
+                  </a:tcPr>
+                </a:tc>
+                <a:tc>
+                  <a:txBody>
+                    <a:bodyPr/>
+                    <a:lstStyle/>
+                    <a:p>
+                      <a:pPr algn="ctr"/>
+                      <a:r>
+                        <a:rPr lang="en-GB" dirty="0">
+                          <a:solidFill>
+                            <a:schemeClr val="bg1"/>
+                          </a:solidFill>
+                        </a:rPr>
+                        <a:t>E</a:t>
+                      </a:r>
+                    </a:p>
+                  </a:txBody>
+                  <a:tcPr>
+                    <a:solidFill>
+                      <a:srgbClr val="006699"/>
+                    </a:solidFill>
+                  </a:tcPr>
+                </a:tc>
+                <a:tc>
+                  <a:txBody>
+                    <a:bodyPr/>
+                    <a:lstStyle/>
+                    <a:p>
+                      <a:endParaRPr lang="en-GB">
+                        <a:solidFill>
+                          <a:schemeClr val="bg1"/>
+                        </a:solidFill>
+                      </a:endParaRPr>
+                    </a:p>
+                  </a:txBody>
+                  <a:tcPr>
+                    <a:solidFill>
+                      <a:schemeClr val="bg1">
+                        <a:lumMod val="65000"/>
+                      </a:schemeClr>
+                    </a:solidFill>
+                  </a:tcPr>
+                </a:tc>
+                <a:tc>
+                  <a:txBody>
+                    <a:bodyPr/>
+                    <a:lstStyle/>
+                    <a:p>
+                      <a:endParaRPr lang="en-GB">
+                        <a:solidFill>
+                          <a:schemeClr val="bg1"/>
+                        </a:solidFill>
+                      </a:endParaRPr>
+                    </a:p>
+                  </a:txBody>
+                  <a:tcPr>
+                    <a:solidFill>
+                      <a:schemeClr val="bg1">
+                        <a:lumMod val="65000"/>
+                      </a:schemeClr>
+                    </a:solidFill>
+                  </a:tcPr>
+                </a:tc>
+                <a:extLst>
+                  <a:ext uri="{0D108BD9-81ED-4DB2-BD59-A6C34878D82A}">
+                    <a16:rowId xmlns:a16="http://schemas.microsoft.com/office/drawing/2014/main" val="2609829814"/>
+                  </a:ext>
+                </a:extLst>
+              </a:tr>
+              <a:tr h="370840">
+                <a:tc>
+                  <a:txBody>
+                    <a:bodyPr/>
+                    <a:lstStyle/>
+                    <a:p>
+                      <a:endParaRPr lang="en-GB">
+                        <a:solidFill>
+                          <a:schemeClr val="bg1"/>
+                        </a:solidFill>
+                      </a:endParaRPr>
+                    </a:p>
+                  </a:txBody>
+                  <a:tcPr>
+                    <a:solidFill>
+                      <a:schemeClr val="bg1">
+                        <a:lumMod val="65000"/>
+                      </a:schemeClr>
+                    </a:solidFill>
+                  </a:tcPr>
+                </a:tc>
+                <a:tc>
+                  <a:txBody>
+                    <a:bodyPr/>
+                    <a:lstStyle/>
+                    <a:p>
+                      <a:endParaRPr lang="en-GB">
+                        <a:solidFill>
+                          <a:schemeClr val="bg1"/>
+                        </a:solidFill>
+                      </a:endParaRPr>
+                    </a:p>
+                  </a:txBody>
+                  <a:tcPr>
+                    <a:solidFill>
+                      <a:schemeClr val="bg1">
+                        <a:lumMod val="65000"/>
+                      </a:schemeClr>
+                    </a:solidFill>
+                  </a:tcPr>
+                </a:tc>
+                <a:tc>
+                  <a:txBody>
+                    <a:bodyPr/>
+                    <a:lstStyle/>
+                    <a:p>
+                      <a:endParaRPr lang="en-GB">
+                        <a:solidFill>
+                          <a:schemeClr val="bg1"/>
+                        </a:solidFill>
+                      </a:endParaRPr>
+                    </a:p>
+                  </a:txBody>
+                  <a:tcPr>
+                    <a:solidFill>
+                      <a:schemeClr val="bg1">
+                        <a:lumMod val="65000"/>
+                      </a:schemeClr>
+                    </a:solidFill>
+                  </a:tcPr>
+                </a:tc>
+                <a:tc>
+                  <a:txBody>
+                    <a:bodyPr/>
+                    <a:lstStyle/>
+                    <a:p>
+                      <a:endParaRPr lang="en-GB">
+                        <a:solidFill>
+                          <a:schemeClr val="bg1"/>
+                        </a:solidFill>
+                      </a:endParaRPr>
+                    </a:p>
+                  </a:txBody>
+                  <a:tcPr>
+                    <a:solidFill>
+                      <a:schemeClr val="bg1">
+                        <a:lumMod val="65000"/>
+                      </a:schemeClr>
+                    </a:solidFill>
+                  </a:tcPr>
+                </a:tc>
+                <a:tc>
+                  <a:txBody>
+                    <a:bodyPr/>
+                    <a:lstStyle/>
+                    <a:p>
+                      <a:endParaRPr lang="en-GB">
+                        <a:solidFill>
+                          <a:schemeClr val="bg1"/>
+                        </a:solidFill>
+                      </a:endParaRPr>
+                    </a:p>
+                  </a:txBody>
+                  <a:tcPr>
+                    <a:solidFill>
+                      <a:schemeClr val="bg1">
+                        <a:lumMod val="65000"/>
+                      </a:schemeClr>
+                    </a:solidFill>
+                  </a:tcPr>
+                </a:tc>
+                <a:tc>
+                  <a:txBody>
+                    <a:bodyPr/>
+                    <a:lstStyle/>
+                    <a:p>
+                      <a:endParaRPr lang="en-GB" dirty="0">
+                        <a:solidFill>
+                          <a:schemeClr val="bg1"/>
+                        </a:solidFill>
+                      </a:endParaRPr>
+                    </a:p>
+                  </a:txBody>
+                  <a:tcPr>
+                    <a:solidFill>
+                      <a:schemeClr val="bg1">
+                        <a:lumMod val="65000"/>
+                      </a:schemeClr>
+                    </a:solidFill>
+                  </a:tcPr>
+                </a:tc>
+                <a:tc>
+                  <a:txBody>
+                    <a:bodyPr/>
+                    <a:lstStyle/>
+                    <a:p>
+                      <a:endParaRPr lang="en-GB">
+                        <a:solidFill>
+                          <a:schemeClr val="bg1"/>
+                        </a:solidFill>
+                      </a:endParaRPr>
+                    </a:p>
+                  </a:txBody>
+                  <a:tcPr>
+                    <a:solidFill>
+                      <a:schemeClr val="bg1">
+                        <a:lumMod val="65000"/>
+                      </a:schemeClr>
+                    </a:solidFill>
+                  </a:tcPr>
+                </a:tc>
+                <a:extLst>
+                  <a:ext uri="{0D108BD9-81ED-4DB2-BD59-A6C34878D82A}">
+                    <a16:rowId xmlns:a16="http://schemas.microsoft.com/office/drawing/2014/main" val="2663818505"/>
+                  </a:ext>
+                </a:extLst>
+              </a:tr>
+              <a:tr h="370840">
+                <a:tc>
+                  <a:txBody>
+                    <a:bodyPr/>
+                    <a:lstStyle/>
+                    <a:p>
+                      <a:endParaRPr lang="en-GB">
+                        <a:solidFill>
+                          <a:schemeClr val="bg1"/>
+                        </a:solidFill>
+                      </a:endParaRPr>
+                    </a:p>
+                  </a:txBody>
+                  <a:tcPr>
+                    <a:solidFill>
+                      <a:schemeClr val="bg1">
+                        <a:lumMod val="65000"/>
+                      </a:schemeClr>
+                    </a:solidFill>
+                  </a:tcPr>
+                </a:tc>
+                <a:tc>
+                  <a:txBody>
+                    <a:bodyPr/>
+                    <a:lstStyle/>
+                    <a:p>
+                      <a:endParaRPr lang="en-GB">
+                        <a:solidFill>
+                          <a:schemeClr val="bg1"/>
+                        </a:solidFill>
+                      </a:endParaRPr>
+                    </a:p>
+                  </a:txBody>
+                  <a:tcPr>
+                    <a:solidFill>
+                      <a:schemeClr val="bg1">
+                        <a:lumMod val="65000"/>
+                      </a:schemeClr>
+                    </a:solidFill>
+                  </a:tcPr>
+                </a:tc>
+                <a:tc>
+                  <a:txBody>
+                    <a:bodyPr/>
+                    <a:lstStyle/>
+                    <a:p>
+                      <a:endParaRPr lang="en-GB">
+                        <a:solidFill>
+                          <a:schemeClr val="bg1"/>
+                        </a:solidFill>
+                      </a:endParaRPr>
+                    </a:p>
+                  </a:txBody>
+                  <a:tcPr>
+                    <a:solidFill>
+                      <a:schemeClr val="bg1">
+                        <a:lumMod val="65000"/>
+                      </a:schemeClr>
+                    </a:solidFill>
+                  </a:tcPr>
+                </a:tc>
+                <a:tc>
+                  <a:txBody>
+                    <a:bodyPr/>
+                    <a:lstStyle/>
+                    <a:p>
+                      <a:endParaRPr lang="en-GB" dirty="0">
+                        <a:solidFill>
+                          <a:schemeClr val="bg1"/>
+                        </a:solidFill>
+                      </a:endParaRPr>
+                    </a:p>
+                  </a:txBody>
+                  <a:tcPr>
+                    <a:solidFill>
+                      <a:schemeClr val="bg1">
+                        <a:lumMod val="65000"/>
+                      </a:schemeClr>
+                    </a:solidFill>
+                  </a:tcPr>
+                </a:tc>
+                <a:tc>
+                  <a:txBody>
+                    <a:bodyPr/>
+                    <a:lstStyle/>
+                    <a:p>
+                      <a:endParaRPr lang="en-GB" dirty="0">
+                        <a:solidFill>
+                          <a:schemeClr val="bg1"/>
+                        </a:solidFill>
+                      </a:endParaRPr>
+                    </a:p>
+                  </a:txBody>
+                  <a:tcPr>
+                    <a:solidFill>
+                      <a:schemeClr val="bg1">
+                        <a:lumMod val="65000"/>
+                      </a:schemeClr>
+                    </a:solidFill>
+                  </a:tcPr>
+                </a:tc>
+                <a:tc>
+                  <a:txBody>
+                    <a:bodyPr/>
+                    <a:lstStyle/>
+                    <a:p>
+                      <a:endParaRPr lang="en-GB" dirty="0">
+                        <a:solidFill>
+                          <a:schemeClr val="bg1"/>
+                        </a:solidFill>
+                      </a:endParaRPr>
+                    </a:p>
+                  </a:txBody>
+                  <a:tcPr>
+                    <a:solidFill>
+                      <a:schemeClr val="bg1">
+                        <a:lumMod val="65000"/>
+                      </a:schemeClr>
+                    </a:solidFill>
+                  </a:tcPr>
+                </a:tc>
+                <a:tc>
+                  <a:txBody>
+                    <a:bodyPr/>
+                    <a:lstStyle/>
+                    <a:p>
+                      <a:endParaRPr lang="en-GB">
+                        <a:solidFill>
+                          <a:schemeClr val="bg1"/>
+                        </a:solidFill>
+                      </a:endParaRPr>
+                    </a:p>
+                  </a:txBody>
+                  <a:tcPr>
+                    <a:solidFill>
+                      <a:schemeClr val="bg1">
+                        <a:lumMod val="65000"/>
+                      </a:schemeClr>
+                    </a:solidFill>
+                  </a:tcPr>
+                </a:tc>
+                <a:extLst>
+                  <a:ext uri="{0D108BD9-81ED-4DB2-BD59-A6C34878D82A}">
+                    <a16:rowId xmlns:a16="http://schemas.microsoft.com/office/drawing/2014/main" val="261760427"/>
+                  </a:ext>
+                </a:extLst>
+              </a:tr>
+              <a:tr h="370840">
+                <a:tc>
+                  <a:txBody>
+                    <a:bodyPr/>
+                    <a:lstStyle/>
+                    <a:p>
+                      <a:endParaRPr lang="en-GB">
+                        <a:solidFill>
+                          <a:schemeClr val="bg1"/>
+                        </a:solidFill>
+                      </a:endParaRPr>
+                    </a:p>
+                  </a:txBody>
+                  <a:tcPr>
+                    <a:solidFill>
+                      <a:schemeClr val="bg1">
+                        <a:lumMod val="65000"/>
+                      </a:schemeClr>
+                    </a:solidFill>
+                  </a:tcPr>
+                </a:tc>
+                <a:tc>
+                  <a:txBody>
+                    <a:bodyPr/>
+                    <a:lstStyle/>
+                    <a:p>
+                      <a:endParaRPr lang="en-GB">
+                        <a:solidFill>
+                          <a:schemeClr val="bg1"/>
+                        </a:solidFill>
+                      </a:endParaRPr>
+                    </a:p>
+                  </a:txBody>
+                  <a:tcPr>
+                    <a:solidFill>
+                      <a:schemeClr val="bg1">
+                        <a:lumMod val="65000"/>
+                      </a:schemeClr>
+                    </a:solidFill>
+                  </a:tcPr>
+                </a:tc>
+                <a:tc>
+                  <a:txBody>
+                    <a:bodyPr/>
+                    <a:lstStyle/>
+                    <a:p>
+                      <a:endParaRPr lang="en-GB">
+                        <a:solidFill>
+                          <a:schemeClr val="bg1"/>
+                        </a:solidFill>
+                      </a:endParaRPr>
+                    </a:p>
+                  </a:txBody>
+                  <a:tcPr>
+                    <a:solidFill>
+                      <a:schemeClr val="bg1">
+                        <a:lumMod val="65000"/>
+                      </a:schemeClr>
+                    </a:solidFill>
+                  </a:tcPr>
+                </a:tc>
+                <a:tc>
+                  <a:txBody>
+                    <a:bodyPr/>
+                    <a:lstStyle/>
+                    <a:p>
+                      <a:endParaRPr lang="en-GB">
+                        <a:solidFill>
+                          <a:schemeClr val="bg1"/>
+                        </a:solidFill>
+                      </a:endParaRPr>
+                    </a:p>
+                  </a:txBody>
+                  <a:tcPr>
+                    <a:solidFill>
+                      <a:schemeClr val="bg1">
+                        <a:lumMod val="65000"/>
+                      </a:schemeClr>
+                    </a:solidFill>
+                  </a:tcPr>
+                </a:tc>
+                <a:tc>
+                  <a:txBody>
+                    <a:bodyPr/>
+                    <a:lstStyle/>
+                    <a:p>
+                      <a:endParaRPr lang="en-GB">
+                        <a:solidFill>
+                          <a:schemeClr val="bg1"/>
+                        </a:solidFill>
+                      </a:endParaRPr>
+                    </a:p>
+                  </a:txBody>
+                  <a:tcPr>
+                    <a:solidFill>
+                      <a:schemeClr val="bg1">
+                        <a:lumMod val="65000"/>
+                      </a:schemeClr>
+                    </a:solidFill>
+                  </a:tcPr>
+                </a:tc>
+                <a:tc>
+                  <a:txBody>
+                    <a:bodyPr/>
+                    <a:lstStyle/>
+                    <a:p>
+                      <a:pPr algn="r"/>
+                      <a:r>
+                        <a:rPr lang="en-GB" dirty="0">
+                          <a:solidFill>
+                            <a:schemeClr val="bg1"/>
+                          </a:solidFill>
+                        </a:rPr>
+                        <a:t>E</a:t>
+                      </a:r>
+                    </a:p>
+                  </a:txBody>
+                  <a:tcPr>
+                    <a:solidFill>
+                      <a:srgbClr val="006699"/>
+                    </a:solidFill>
+                  </a:tcPr>
+                </a:tc>
+                <a:tc>
+                  <a:txBody>
+                    <a:bodyPr/>
+                    <a:lstStyle/>
+                    <a:p>
+                      <a:endParaRPr lang="en-GB">
+                        <a:solidFill>
+                          <a:schemeClr val="bg1"/>
+                        </a:solidFill>
+                      </a:endParaRPr>
+                    </a:p>
+                  </a:txBody>
+                  <a:tcPr>
+                    <a:solidFill>
+                      <a:schemeClr val="bg1">
+                        <a:lumMod val="65000"/>
+                      </a:schemeClr>
+                    </a:solidFill>
+                  </a:tcPr>
+                </a:tc>
+                <a:extLst>
+                  <a:ext uri="{0D108BD9-81ED-4DB2-BD59-A6C34878D82A}">
+                    <a16:rowId xmlns:a16="http://schemas.microsoft.com/office/drawing/2014/main" val="4058646463"/>
+                  </a:ext>
+                </a:extLst>
+              </a:tr>
+              <a:tr h="370840">
+                <a:tc>
+                  <a:txBody>
+                    <a:bodyPr/>
+                    <a:lstStyle/>
+                    <a:p>
+                      <a:endParaRPr lang="en-GB">
+                        <a:solidFill>
+                          <a:schemeClr val="bg1"/>
+                        </a:solidFill>
+                      </a:endParaRPr>
+                    </a:p>
+                  </a:txBody>
+                  <a:tcPr>
+                    <a:solidFill>
+                      <a:schemeClr val="bg1">
+                        <a:lumMod val="65000"/>
+                      </a:schemeClr>
+                    </a:solidFill>
+                  </a:tcPr>
+                </a:tc>
+                <a:tc>
+                  <a:txBody>
+                    <a:bodyPr/>
+                    <a:lstStyle/>
+                    <a:p>
+                      <a:endParaRPr lang="en-GB">
+                        <a:solidFill>
+                          <a:schemeClr val="bg1"/>
+                        </a:solidFill>
+                      </a:endParaRPr>
+                    </a:p>
+                  </a:txBody>
+                  <a:tcPr>
+                    <a:solidFill>
+                      <a:schemeClr val="bg1">
+                        <a:lumMod val="65000"/>
+                      </a:schemeClr>
+                    </a:solidFill>
+                  </a:tcPr>
+                </a:tc>
+                <a:tc>
+                  <a:txBody>
+                    <a:bodyPr/>
+                    <a:lstStyle/>
+                    <a:p>
+                      <a:pPr algn="ctr"/>
+                      <a:r>
+                        <a:rPr lang="en-GB" dirty="0">
+                          <a:solidFill>
+                            <a:schemeClr val="tx1"/>
+                          </a:solidFill>
+                        </a:rPr>
+                        <a:t>U</a:t>
+                      </a:r>
+                    </a:p>
+                  </a:txBody>
+                  <a:tcPr>
+                    <a:solidFill>
+                      <a:srgbClr val="FFFF00"/>
+                    </a:solidFill>
+                  </a:tcPr>
+                </a:tc>
+                <a:tc>
+                  <a:txBody>
+                    <a:bodyPr/>
+                    <a:lstStyle/>
+                    <a:p>
+                      <a:endParaRPr lang="en-GB" dirty="0">
+                        <a:solidFill>
+                          <a:schemeClr val="bg1"/>
+                        </a:solidFill>
+                      </a:endParaRPr>
+                    </a:p>
+                  </a:txBody>
+                  <a:tcPr>
+                    <a:solidFill>
+                      <a:schemeClr val="bg1">
+                        <a:lumMod val="65000"/>
+                      </a:schemeClr>
+                    </a:solidFill>
+                  </a:tcPr>
+                </a:tc>
+                <a:tc>
+                  <a:txBody>
+                    <a:bodyPr/>
+                    <a:lstStyle/>
+                    <a:p>
+                      <a:endParaRPr lang="en-GB">
+                        <a:solidFill>
+                          <a:schemeClr val="bg1"/>
+                        </a:solidFill>
+                      </a:endParaRPr>
+                    </a:p>
+                  </a:txBody>
+                  <a:tcPr>
+                    <a:solidFill>
+                      <a:schemeClr val="bg1">
+                        <a:lumMod val="65000"/>
+                      </a:schemeClr>
+                    </a:solidFill>
+                  </a:tcPr>
+                </a:tc>
+                <a:tc>
+                  <a:txBody>
+                    <a:bodyPr/>
+                    <a:lstStyle/>
+                    <a:p>
+                      <a:endParaRPr lang="en-GB">
+                        <a:solidFill>
+                          <a:schemeClr val="bg1"/>
+                        </a:solidFill>
+                      </a:endParaRPr>
+                    </a:p>
+                  </a:txBody>
+                  <a:tcPr>
+                    <a:solidFill>
+                      <a:schemeClr val="bg1">
+                        <a:lumMod val="65000"/>
+                      </a:schemeClr>
+                    </a:solidFill>
+                  </a:tcPr>
+                </a:tc>
+                <a:tc>
+                  <a:txBody>
+                    <a:bodyPr/>
+                    <a:lstStyle/>
+                    <a:p>
+                      <a:endParaRPr lang="en-GB">
+                        <a:solidFill>
+                          <a:schemeClr val="bg1"/>
+                        </a:solidFill>
+                      </a:endParaRPr>
+                    </a:p>
+                  </a:txBody>
+                  <a:tcPr>
+                    <a:solidFill>
+                      <a:schemeClr val="bg1">
+                        <a:lumMod val="65000"/>
+                      </a:schemeClr>
+                    </a:solidFill>
+                  </a:tcPr>
+                </a:tc>
+                <a:extLst>
+                  <a:ext uri="{0D108BD9-81ED-4DB2-BD59-A6C34878D82A}">
+                    <a16:rowId xmlns:a16="http://schemas.microsoft.com/office/drawing/2014/main" val="850130007"/>
+                  </a:ext>
+                </a:extLst>
+              </a:tr>
+              <a:tr h="370840">
+                <a:tc>
+                  <a:txBody>
+                    <a:bodyPr/>
+                    <a:lstStyle/>
+                    <a:p>
+                      <a:endParaRPr lang="en-GB">
+                        <a:solidFill>
+                          <a:schemeClr val="bg1"/>
+                        </a:solidFill>
+                      </a:endParaRPr>
+                    </a:p>
+                  </a:txBody>
+                  <a:tcPr>
+                    <a:solidFill>
+                      <a:schemeClr val="bg1">
+                        <a:lumMod val="65000"/>
+                      </a:schemeClr>
+                    </a:solidFill>
+                  </a:tcPr>
+                </a:tc>
+                <a:tc>
+                  <a:txBody>
+                    <a:bodyPr/>
+                    <a:lstStyle/>
+                    <a:p>
+                      <a:r>
+                        <a:rPr lang="en-GB" dirty="0">
+                          <a:solidFill>
+                            <a:schemeClr val="bg1"/>
+                          </a:solidFill>
+                        </a:rPr>
+                        <a:t>E</a:t>
+                      </a:r>
+                    </a:p>
+                  </a:txBody>
+                  <a:tcPr>
+                    <a:solidFill>
+                      <a:srgbClr val="006699"/>
+                    </a:solidFill>
+                  </a:tcPr>
+                </a:tc>
+                <a:tc>
+                  <a:txBody>
+                    <a:bodyPr/>
+                    <a:lstStyle/>
+                    <a:p>
+                      <a:endParaRPr lang="en-GB">
+                        <a:solidFill>
+                          <a:schemeClr val="bg1"/>
+                        </a:solidFill>
+                      </a:endParaRPr>
+                    </a:p>
+                  </a:txBody>
+                  <a:tcPr>
+                    <a:solidFill>
+                      <a:schemeClr val="bg1">
+                        <a:lumMod val="65000"/>
+                      </a:schemeClr>
+                    </a:solidFill>
+                  </a:tcPr>
+                </a:tc>
+                <a:tc>
+                  <a:txBody>
+                    <a:bodyPr/>
+                    <a:lstStyle/>
+                    <a:p>
+                      <a:endParaRPr lang="en-GB">
+                        <a:solidFill>
+                          <a:schemeClr val="bg1"/>
+                        </a:solidFill>
+                      </a:endParaRPr>
+                    </a:p>
+                  </a:txBody>
+                  <a:tcPr>
+                    <a:solidFill>
+                      <a:schemeClr val="bg1">
+                        <a:lumMod val="65000"/>
+                      </a:schemeClr>
+                    </a:solidFill>
+                  </a:tcPr>
+                </a:tc>
+                <a:tc>
+                  <a:txBody>
+                    <a:bodyPr/>
+                    <a:lstStyle/>
+                    <a:p>
+                      <a:endParaRPr lang="en-GB">
+                        <a:solidFill>
+                          <a:schemeClr val="bg1"/>
+                        </a:solidFill>
+                      </a:endParaRPr>
+                    </a:p>
+                  </a:txBody>
+                  <a:tcPr>
+                    <a:solidFill>
+                      <a:schemeClr val="bg1">
+                        <a:lumMod val="65000"/>
+                      </a:schemeClr>
+                    </a:solidFill>
+                  </a:tcPr>
+                </a:tc>
+                <a:tc>
+                  <a:txBody>
+                    <a:bodyPr/>
+                    <a:lstStyle/>
+                    <a:p>
+                      <a:endParaRPr lang="en-GB">
+                        <a:solidFill>
+                          <a:schemeClr val="bg1"/>
+                        </a:solidFill>
+                      </a:endParaRPr>
+                    </a:p>
+                  </a:txBody>
+                  <a:tcPr>
+                    <a:solidFill>
+                      <a:schemeClr val="bg1">
+                        <a:lumMod val="65000"/>
+                      </a:schemeClr>
+                    </a:solidFill>
+                  </a:tcPr>
+                </a:tc>
+                <a:tc>
+                  <a:txBody>
+                    <a:bodyPr/>
+                    <a:lstStyle/>
+                    <a:p>
+                      <a:endParaRPr lang="en-GB">
+                        <a:solidFill>
+                          <a:schemeClr val="bg1"/>
+                        </a:solidFill>
+                      </a:endParaRPr>
+                    </a:p>
+                  </a:txBody>
+                  <a:tcPr>
+                    <a:solidFill>
+                      <a:schemeClr val="bg1">
+                        <a:lumMod val="65000"/>
+                      </a:schemeClr>
+                    </a:solidFill>
+                  </a:tcPr>
+                </a:tc>
+                <a:extLst>
+                  <a:ext uri="{0D108BD9-81ED-4DB2-BD59-A6C34878D82A}">
+                    <a16:rowId xmlns:a16="http://schemas.microsoft.com/office/drawing/2014/main" val="4229849782"/>
+                  </a:ext>
+                </a:extLst>
+              </a:tr>
+              <a:tr h="370840">
+                <a:tc>
+                  <a:txBody>
+                    <a:bodyPr/>
+                    <a:lstStyle/>
+                    <a:p>
+                      <a:endParaRPr lang="en-GB">
+                        <a:solidFill>
+                          <a:schemeClr val="bg1"/>
+                        </a:solidFill>
+                      </a:endParaRPr>
+                    </a:p>
+                  </a:txBody>
+                  <a:tcPr>
+                    <a:solidFill>
+                      <a:schemeClr val="bg1">
+                        <a:lumMod val="65000"/>
+                      </a:schemeClr>
+                    </a:solidFill>
+                  </a:tcPr>
+                </a:tc>
+                <a:tc>
+                  <a:txBody>
+                    <a:bodyPr/>
+                    <a:lstStyle/>
+                    <a:p>
+                      <a:endParaRPr lang="en-GB">
+                        <a:solidFill>
+                          <a:schemeClr val="bg1"/>
+                        </a:solidFill>
+                      </a:endParaRPr>
+                    </a:p>
+                  </a:txBody>
+                  <a:tcPr>
+                    <a:solidFill>
+                      <a:schemeClr val="bg1">
+                        <a:lumMod val="65000"/>
+                      </a:schemeClr>
+                    </a:solidFill>
+                  </a:tcPr>
+                </a:tc>
+                <a:tc>
+                  <a:txBody>
+                    <a:bodyPr/>
+                    <a:lstStyle/>
+                    <a:p>
+                      <a:endParaRPr lang="en-GB">
+                        <a:solidFill>
+                          <a:schemeClr val="bg1"/>
+                        </a:solidFill>
+                      </a:endParaRPr>
+                    </a:p>
+                  </a:txBody>
+                  <a:tcPr>
+                    <a:solidFill>
+                      <a:schemeClr val="bg1">
+                        <a:lumMod val="65000"/>
+                      </a:schemeClr>
+                    </a:solidFill>
+                  </a:tcPr>
+                </a:tc>
+                <a:tc>
+                  <a:txBody>
+                    <a:bodyPr/>
+                    <a:lstStyle/>
+                    <a:p>
+                      <a:endParaRPr lang="en-GB">
+                        <a:solidFill>
+                          <a:schemeClr val="bg1"/>
+                        </a:solidFill>
+                      </a:endParaRPr>
+                    </a:p>
+                  </a:txBody>
+                  <a:tcPr>
+                    <a:solidFill>
+                      <a:schemeClr val="bg1">
+                        <a:lumMod val="65000"/>
+                      </a:schemeClr>
+                    </a:solidFill>
+                  </a:tcPr>
+                </a:tc>
+                <a:tc>
+                  <a:txBody>
+                    <a:bodyPr/>
+                    <a:lstStyle/>
+                    <a:p>
+                      <a:endParaRPr lang="en-GB">
+                        <a:solidFill>
+                          <a:schemeClr val="bg1"/>
+                        </a:solidFill>
+                      </a:endParaRPr>
+                    </a:p>
+                  </a:txBody>
+                  <a:tcPr>
+                    <a:solidFill>
+                      <a:schemeClr val="bg1">
+                        <a:lumMod val="65000"/>
+                      </a:schemeClr>
+                    </a:solidFill>
+                  </a:tcPr>
+                </a:tc>
+                <a:tc>
+                  <a:txBody>
+                    <a:bodyPr/>
+                    <a:lstStyle/>
+                    <a:p>
+                      <a:endParaRPr lang="en-GB" dirty="0">
+                        <a:solidFill>
+                          <a:schemeClr val="bg1"/>
+                        </a:solidFill>
+                      </a:endParaRPr>
+                    </a:p>
+                  </a:txBody>
+                  <a:tcPr>
+                    <a:solidFill>
+                      <a:schemeClr val="bg1">
+                        <a:lumMod val="65000"/>
+                      </a:schemeClr>
+                    </a:solidFill>
+                  </a:tcPr>
+                </a:tc>
+                <a:tc>
+                  <a:txBody>
+                    <a:bodyPr/>
+                    <a:lstStyle/>
+                    <a:p>
+                      <a:endParaRPr lang="en-GB" dirty="0">
+                        <a:solidFill>
+                          <a:schemeClr val="bg1"/>
+                        </a:solidFill>
+                      </a:endParaRPr>
+                    </a:p>
+                  </a:txBody>
+                  <a:tcPr>
+                    <a:solidFill>
+                      <a:schemeClr val="bg1">
+                        <a:lumMod val="65000"/>
+                      </a:schemeClr>
+                    </a:solidFill>
+                  </a:tcPr>
+                </a:tc>
+                <a:extLst>
+                  <a:ext uri="{0D108BD9-81ED-4DB2-BD59-A6C34878D82A}">
+                    <a16:rowId xmlns:a16="http://schemas.microsoft.com/office/drawing/2014/main" val="2124895042"/>
+                  </a:ext>
+                </a:extLst>
+              </a:tr>
+            </a:tbl>
+          </a:graphicData>
+        </a:graphic>
+      </p:graphicFrame>
+      <p:cxnSp>
+        <p:nvCxnSpPr>
+          <p:cNvPr id="4" name="Connector: Curved 3"/>
+          <p:cNvCxnSpPr/>
+          <p:nvPr/>
+        </p:nvCxnSpPr>
+        <p:spPr>
+          <a:xfrm rot="10800000" flipV="1">
+            <a:off x="2051795" y="5086978"/>
+            <a:ext cx="1800200" cy="777636"/>
+          </a:xfrm>
+          <a:prstGeom prst="curvedConnector3">
+            <a:avLst/>
+          </a:prstGeom>
+          <a:ln>
+            <a:tailEnd type="triangle"/>
+          </a:ln>
+        </p:spPr>
+        <p:style>
+          <a:lnRef idx="2">
+            <a:schemeClr val="accent1"/>
+          </a:lnRef>
+          <a:fillRef idx="0">
+            <a:schemeClr val="accent1"/>
+          </a:fillRef>
+          <a:effectRef idx="1">
+            <a:schemeClr val="accent1"/>
+          </a:effectRef>
+          <a:fontRef idx="minor">
+            <a:schemeClr val="tx1"/>
+          </a:fontRef>
+        </p:style>
+      </p:cxnSp>
       <p:sp>
         <p:nvSpPr>
-          <p:cNvPr id="7" name="Rectangle 6"/>
+          <p:cNvPr id="19" name="Arrow: Bent-Up 18"/>
           <p:cNvSpPr/>
           <p:nvPr/>
         </p:nvSpPr>
         <p:spPr>
-          <a:xfrm>
-            <a:off x="5364088" y="3789040"/>
-            <a:ext cx="2664296" cy="2160240"/>
+          <a:xfrm rot="10800000">
+            <a:off x="2339827" y="5013175"/>
+            <a:ext cx="1296144" cy="233594"/>
           </a:xfrm>
-          <a:prstGeom prst="rect">
+          <a:prstGeom prst="bentUpArrow">
             <a:avLst/>
           </a:prstGeom>
         </p:spPr>
         <p:style>
           <a:lnRef idx="2">
-            <a:schemeClr val="accent1">
+            <a:schemeClr val="accent2">
               <a:shade val="50000"/>
             </a:schemeClr>
           </a:lnRef>
           <a:fillRef idx="1">
-            <a:schemeClr val="accent1"/>
+            <a:schemeClr val="accent2"/>
           </a:fillRef>
           <a:effectRef idx="0">
-            <a:schemeClr val="accent1"/>
+            <a:schemeClr val="accent2"/>
           </a:effectRef>
           <a:fontRef idx="minor">
             <a:schemeClr val="lt1"/>
@@ -5945,10 +7975,47 @@
           <a:lstStyle/>
           <a:p>
             <a:pPr algn="ctr"/>
-            <a:r>
-              <a:rPr lang="en-GB" dirty="0"/>
-              <a:t>Image of Manhattan distance</a:t>
-            </a:r>
+            <a:endParaRPr lang="en-GB"/>
+          </a:p>
+        </p:txBody>
+      </p:sp>
+      <p:sp>
+        <p:nvSpPr>
+          <p:cNvPr id="20" name="Arrow: Bent-Up 19"/>
+          <p:cNvSpPr/>
+          <p:nvPr/>
+        </p:nvSpPr>
+        <p:spPr>
+          <a:xfrm rot="5400000" flipH="1">
+            <a:off x="1943783" y="5337212"/>
+            <a:ext cx="288032" cy="360040"/>
+          </a:xfrm>
+          <a:prstGeom prst="bentUpArrow">
+            <a:avLst/>
+          </a:prstGeom>
+        </p:spPr>
+        <p:style>
+          <a:lnRef idx="2">
+            <a:schemeClr val="accent6">
+              <a:shade val="50000"/>
+            </a:schemeClr>
+          </a:lnRef>
+          <a:fillRef idx="1">
+            <a:schemeClr val="accent6"/>
+          </a:fillRef>
+          <a:effectRef idx="0">
+            <a:schemeClr val="accent6"/>
+          </a:effectRef>
+          <a:fontRef idx="minor">
+            <a:schemeClr val="lt1"/>
+          </a:fontRef>
+        </p:style>
+        <p:txBody>
+          <a:bodyPr rtlCol="0" anchor="ctr"/>
+          <a:lstStyle/>
+          <a:p>
+            <a:pPr algn="ctr"/>
+            <a:endParaRPr lang="en-GB"/>
           </a:p>
         </p:txBody>
       </p:sp>
@@ -6113,7 +8180,7 @@
         <p:spPr>
           <a:xfrm>
             <a:off x="857224" y="2571744"/>
-            <a:ext cx="4794896" cy="3554419"/>
+            <a:ext cx="7027144" cy="3554419"/>
           </a:xfrm>
         </p:spPr>
         <p:txBody>
@@ -6144,49 +8211,6 @@
             <a:r>
               <a:rPr lang="en-GB" dirty="0"/>
               <a:t>Sampling time will be 10min. </a:t>
-            </a:r>
-          </a:p>
-        </p:txBody>
-      </p:sp>
-      <p:sp>
-        <p:nvSpPr>
-          <p:cNvPr id="2" name="Rectangle 1"/>
-          <p:cNvSpPr/>
-          <p:nvPr/>
-        </p:nvSpPr>
-        <p:spPr>
-          <a:xfrm>
-            <a:off x="5652120" y="2571744"/>
-            <a:ext cx="2952328" cy="3554419"/>
-          </a:xfrm>
-          <a:prstGeom prst="rect">
-            <a:avLst/>
-          </a:prstGeom>
-        </p:spPr>
-        <p:style>
-          <a:lnRef idx="2">
-            <a:schemeClr val="accent1">
-              <a:shade val="50000"/>
-            </a:schemeClr>
-          </a:lnRef>
-          <a:fillRef idx="1">
-            <a:schemeClr val="accent1"/>
-          </a:fillRef>
-          <a:effectRef idx="0">
-            <a:schemeClr val="accent1"/>
-          </a:effectRef>
-          <a:fontRef idx="minor">
-            <a:schemeClr val="lt1"/>
-          </a:fontRef>
-        </p:style>
-        <p:txBody>
-          <a:bodyPr rtlCol="0" anchor="ctr"/>
-          <a:lstStyle/>
-          <a:p>
-            <a:pPr algn="ctr"/>
-            <a:r>
-              <a:rPr lang="en-GB" dirty="0"/>
-              <a:t>Example test table</a:t>
             </a:r>
           </a:p>
         </p:txBody>
